--- a/Presentazione/KaleidosCode_PdQ.pptx
+++ b/Presentazione/KaleidosCode_PdQ.pptx
@@ -5,14 +5,22 @@
     <p:sldMasterId id="2147483648" r:id="rId1"/>
   </p:sldMasterIdLst>
   <p:sldIdLst>
-    <p:sldId id="256" r:id="rId2"/>
-    <p:sldId id="257" r:id="rId3"/>
-    <p:sldId id="258" r:id="rId4"/>
-    <p:sldId id="259" r:id="rId5"/>
-    <p:sldId id="260" r:id="rId6"/>
-    <p:sldId id="261" r:id="rId7"/>
-    <p:sldId id="263" r:id="rId8"/>
-    <p:sldId id="262" r:id="rId9"/>
+    <p:sldId id="266" r:id="rId2"/>
+    <p:sldId id="267" r:id="rId3"/>
+    <p:sldId id="256" r:id="rId4"/>
+    <p:sldId id="257" r:id="rId5"/>
+    <p:sldId id="268" r:id="rId6"/>
+    <p:sldId id="269" r:id="rId7"/>
+    <p:sldId id="271" r:id="rId8"/>
+    <p:sldId id="270" r:id="rId9"/>
+    <p:sldId id="264" r:id="rId10"/>
+    <p:sldId id="265" r:id="rId11"/>
+    <p:sldId id="258" r:id="rId12"/>
+    <p:sldId id="259" r:id="rId13"/>
+    <p:sldId id="260" r:id="rId14"/>
+    <p:sldId id="261" r:id="rId15"/>
+    <p:sldId id="263" r:id="rId16"/>
+    <p:sldId id="262" r:id="rId17"/>
   </p:sldIdLst>
   <p:sldSz cx="12192000" cy="6858000"/>
   <p:notesSz cx="6858000" cy="9144000"/>
@@ -248,7 +256,7 @@
           <a:p>
             <a:fld id="{380334CF-CE96-402E-92E2-B805571D2137}" type="datetimeFigureOut">
               <a:rPr lang="it-IT" smtClean="0"/>
-              <a:t>13/04/2017</a:t>
+              <a:t>14/04/2017</a:t>
             </a:fld>
             <a:endParaRPr lang="it-IT"/>
           </a:p>
@@ -416,7 +424,7 @@
           <a:p>
             <a:fld id="{380334CF-CE96-402E-92E2-B805571D2137}" type="datetimeFigureOut">
               <a:rPr lang="it-IT" smtClean="0"/>
-              <a:t>13/04/2017</a:t>
+              <a:t>14/04/2017</a:t>
             </a:fld>
             <a:endParaRPr lang="it-IT"/>
           </a:p>
@@ -594,7 +602,7 @@
           <a:p>
             <a:fld id="{380334CF-CE96-402E-92E2-B805571D2137}" type="datetimeFigureOut">
               <a:rPr lang="it-IT" smtClean="0"/>
-              <a:t>13/04/2017</a:t>
+              <a:t>14/04/2017</a:t>
             </a:fld>
             <a:endParaRPr lang="it-IT"/>
           </a:p>
@@ -762,7 +770,7 @@
           <a:p>
             <a:fld id="{380334CF-CE96-402E-92E2-B805571D2137}" type="datetimeFigureOut">
               <a:rPr lang="it-IT" smtClean="0"/>
-              <a:t>13/04/2017</a:t>
+              <a:t>14/04/2017</a:t>
             </a:fld>
             <a:endParaRPr lang="it-IT"/>
           </a:p>
@@ -1007,7 +1015,7 @@
           <a:p>
             <a:fld id="{380334CF-CE96-402E-92E2-B805571D2137}" type="datetimeFigureOut">
               <a:rPr lang="it-IT" smtClean="0"/>
-              <a:t>13/04/2017</a:t>
+              <a:t>14/04/2017</a:t>
             </a:fld>
             <a:endParaRPr lang="it-IT"/>
           </a:p>
@@ -1236,7 +1244,7 @@
           <a:p>
             <a:fld id="{380334CF-CE96-402E-92E2-B805571D2137}" type="datetimeFigureOut">
               <a:rPr lang="it-IT" smtClean="0"/>
-              <a:t>13/04/2017</a:t>
+              <a:t>14/04/2017</a:t>
             </a:fld>
             <a:endParaRPr lang="it-IT"/>
           </a:p>
@@ -1600,7 +1608,7 @@
           <a:p>
             <a:fld id="{380334CF-CE96-402E-92E2-B805571D2137}" type="datetimeFigureOut">
               <a:rPr lang="it-IT" smtClean="0"/>
-              <a:t>13/04/2017</a:t>
+              <a:t>14/04/2017</a:t>
             </a:fld>
             <a:endParaRPr lang="it-IT"/>
           </a:p>
@@ -1717,7 +1725,7 @@
           <a:p>
             <a:fld id="{380334CF-CE96-402E-92E2-B805571D2137}" type="datetimeFigureOut">
               <a:rPr lang="it-IT" smtClean="0"/>
-              <a:t>13/04/2017</a:t>
+              <a:t>14/04/2017</a:t>
             </a:fld>
             <a:endParaRPr lang="it-IT"/>
           </a:p>
@@ -1812,7 +1820,7 @@
           <a:p>
             <a:fld id="{380334CF-CE96-402E-92E2-B805571D2137}" type="datetimeFigureOut">
               <a:rPr lang="it-IT" smtClean="0"/>
-              <a:t>13/04/2017</a:t>
+              <a:t>14/04/2017</a:t>
             </a:fld>
             <a:endParaRPr lang="it-IT"/>
           </a:p>
@@ -2087,7 +2095,7 @@
           <a:p>
             <a:fld id="{380334CF-CE96-402E-92E2-B805571D2137}" type="datetimeFigureOut">
               <a:rPr lang="it-IT" smtClean="0"/>
-              <a:t>13/04/2017</a:t>
+              <a:t>14/04/2017</a:t>
             </a:fld>
             <a:endParaRPr lang="it-IT"/>
           </a:p>
@@ -2339,7 +2347,7 @@
           <a:p>
             <a:fld id="{380334CF-CE96-402E-92E2-B805571D2137}" type="datetimeFigureOut">
               <a:rPr lang="it-IT" smtClean="0"/>
-              <a:t>13/04/2017</a:t>
+              <a:t>14/04/2017</a:t>
             </a:fld>
             <a:endParaRPr lang="it-IT"/>
           </a:p>
@@ -2550,7 +2558,7 @@
           <a:p>
             <a:fld id="{380334CF-CE96-402E-92E2-B805571D2137}" type="datetimeFigureOut">
               <a:rPr lang="it-IT" smtClean="0"/>
-              <a:t>13/04/2017</a:t>
+              <a:t>14/04/2017</a:t>
             </a:fld>
             <a:endParaRPr lang="it-IT"/>
           </a:p>
@@ -2957,14 +2965,82 @@
       </p:grpSpPr>
       <p:sp>
         <p:nvSpPr>
-          <p:cNvPr id="5" name="Rettangolo 4"/>
+          <p:cNvPr id="2" name="Titolo 1"/>
+          <p:cNvSpPr>
+            <a:spLocks noGrp="1"/>
+          </p:cNvSpPr>
+          <p:nvPr>
+            <p:ph type="title"/>
+          </p:nvPr>
+        </p:nvSpPr>
+        <p:spPr/>
+        <p:txBody>
+          <a:bodyPr/>
+          <a:lstStyle/>
+          <a:p>
+            <a:endParaRPr lang="it-IT"/>
+          </a:p>
+        </p:txBody>
+      </p:sp>
+      <p:sp>
+        <p:nvSpPr>
+          <p:cNvPr id="3" name="Segnaposto contenuto 2"/>
+          <p:cNvSpPr>
+            <a:spLocks noGrp="1"/>
+          </p:cNvSpPr>
+          <p:nvPr>
+            <p:ph idx="1"/>
+          </p:nvPr>
+        </p:nvSpPr>
+        <p:spPr/>
+        <p:txBody>
+          <a:bodyPr/>
+          <a:lstStyle/>
+          <a:p>
+            <a:endParaRPr lang="it-IT"/>
+          </a:p>
+        </p:txBody>
+      </p:sp>
+    </p:spTree>
+    <p:extLst>
+      <p:ext uri="{BB962C8B-B14F-4D97-AF65-F5344CB8AC3E}">
+        <p14:creationId xmlns:p14="http://schemas.microsoft.com/office/powerpoint/2010/main" val="2455980268"/>
+      </p:ext>
+    </p:extLst>
+  </p:cSld>
+  <p:clrMapOvr>
+    <a:masterClrMapping/>
+  </p:clrMapOvr>
+</p:sld>
+</file>
+
+<file path=ppt/slides/slide10.xml><?xml version="1.0" encoding="utf-8"?>
+<p:sld xmlns:a="http://schemas.openxmlformats.org/drawingml/2006/main" xmlns:r="http://schemas.openxmlformats.org/officeDocument/2006/relationships" xmlns:p="http://schemas.openxmlformats.org/presentationml/2006/main">
+  <p:cSld>
+    <p:spTree>
+      <p:nvGrpSpPr>
+        <p:cNvPr id="1" name=""/>
+        <p:cNvGrpSpPr/>
+        <p:nvPr/>
+      </p:nvGrpSpPr>
+      <p:grpSpPr>
+        <a:xfrm>
+          <a:off x="0" y="0"/>
+          <a:ext cx="0" cy="0"/>
+          <a:chOff x="0" y="0"/>
+          <a:chExt cx="0" cy="0"/>
+        </a:xfrm>
+      </p:grpSpPr>
+      <p:sp>
+        <p:nvSpPr>
+          <p:cNvPr id="4" name="Rettangolo 3"/>
           <p:cNvSpPr/>
           <p:nvPr/>
         </p:nvSpPr>
         <p:spPr>
           <a:xfrm>
-            <a:off x="0" y="-1"/>
-            <a:ext cx="12192000" cy="3444127"/>
+            <a:off x="0" y="4141"/>
+            <a:ext cx="12192000" cy="1377600"/>
           </a:xfrm>
           <a:prstGeom prst="rect">
             <a:avLst/>
@@ -2996,24 +3072,29 @@
           <a:lstStyle/>
           <a:p>
             <a:pPr algn="ctr"/>
-            <a:endParaRPr lang="it-IT"/>
-          </a:p>
-        </p:txBody>
-      </p:sp>
-      <p:sp>
-        <p:nvSpPr>
-          <p:cNvPr id="2" name="Titolo 1"/>
-          <p:cNvSpPr>
-            <a:spLocks noGrp="1"/>
-          </p:cNvSpPr>
-          <p:nvPr>
-            <p:ph type="ctrTitle"/>
-          </p:nvPr>
-        </p:nvSpPr>
-        <p:spPr>
-          <a:xfrm>
-            <a:off x="2765145" y="2443278"/>
-            <a:ext cx="6661709" cy="1000849"/>
+            <a:r>
+              <a:rPr lang="it-IT" sz="4400" dirty="0">
+                <a:latin typeface="+mj-lt"/>
+              </a:rPr>
+              <a:t>Qualità di processo</a:t>
+            </a:r>
+          </a:p>
+        </p:txBody>
+      </p:sp>
+      <p:sp>
+        <p:nvSpPr>
+          <p:cNvPr id="3" name="Segnaposto contenuto 2"/>
+          <p:cNvSpPr>
+            <a:spLocks noGrp="1"/>
+          </p:cNvSpPr>
+          <p:nvPr>
+            <p:ph idx="1"/>
+          </p:nvPr>
+        </p:nvSpPr>
+        <p:spPr>
+          <a:xfrm>
+            <a:off x="1126213" y="1718376"/>
+            <a:ext cx="3316834" cy="632282"/>
           </a:xfrm>
         </p:spPr>
         <p:txBody>
@@ -3022,57 +3103,1178 @@
           </a:bodyPr>
           <a:lstStyle/>
           <a:p>
-            <a:r>
-              <a:rPr lang="it-IT" b="1" dirty="0">
-                <a:solidFill>
-                  <a:schemeClr val="bg1"/>
-                </a:solidFill>
-              </a:rPr>
-              <a:t>Piano di Qualifica</a:t>
-            </a:r>
-          </a:p>
-        </p:txBody>
-      </p:sp>
-      <p:sp>
-        <p:nvSpPr>
-          <p:cNvPr id="3" name="Sottotitolo 2"/>
-          <p:cNvSpPr>
-            <a:spLocks noGrp="1"/>
-          </p:cNvSpPr>
-          <p:nvPr>
-            <p:ph type="subTitle" idx="1"/>
-          </p:nvPr>
-        </p:nvSpPr>
-        <p:spPr/>
+            <a:pPr marL="0" indent="0" algn="ctr">
+              <a:buNone/>
+            </a:pPr>
+            <a:r>
+              <a:rPr lang="it-IT" sz="3600" dirty="0"/>
+              <a:t>Ciclo di Deming</a:t>
+            </a:r>
+            <a:endParaRPr lang="it-IT" dirty="0"/>
+          </a:p>
+        </p:txBody>
+      </p:sp>
+      <p:pic>
+        <p:nvPicPr>
+          <p:cNvPr id="9" name="Immagine 8"/>
+          <p:cNvPicPr>
+            <a:picLocks noChangeAspect="1"/>
+          </p:cNvPicPr>
+          <p:nvPr/>
+        </p:nvPicPr>
+        <p:blipFill>
+          <a:blip r:embed="rId2">
+            <a:extLst>
+              <a:ext uri="{28A0092B-C50C-407E-A947-70E740481C1C}">
+                <a14:useLocalDpi xmlns:a14="http://schemas.microsoft.com/office/drawing/2010/main" val="0"/>
+              </a:ext>
+            </a:extLst>
+          </a:blip>
+          <a:stretch>
+            <a:fillRect/>
+          </a:stretch>
+        </p:blipFill>
+        <p:spPr>
+          <a:xfrm>
+            <a:off x="606480" y="2752723"/>
+            <a:ext cx="4546066" cy="3094475"/>
+          </a:xfrm>
+          <a:prstGeom prst="rect">
+            <a:avLst/>
+          </a:prstGeom>
+        </p:spPr>
+      </p:pic>
+      <p:sp>
+        <p:nvSpPr>
+          <p:cNvPr id="5" name="CasellaDiTesto 4"/>
+          <p:cNvSpPr txBox="1"/>
+          <p:nvPr/>
+        </p:nvSpPr>
+        <p:spPr>
+          <a:xfrm>
+            <a:off x="9433778" y="6367898"/>
+            <a:ext cx="2646079" cy="369332"/>
+          </a:xfrm>
+          <a:prstGeom prst="rect">
+            <a:avLst/>
+          </a:prstGeom>
+          <a:noFill/>
+        </p:spPr>
+        <p:txBody>
+          <a:bodyPr wrap="square" rtlCol="0">
+            <a:spAutoFit/>
+          </a:bodyPr>
+          <a:lstStyle/>
+          <a:p>
+            <a:pPr algn="r"/>
+            <a:r>
+              <a:rPr lang="it-IT" dirty="0"/>
+              <a:t>Piano di Qualifica - ?? / ??</a:t>
+            </a:r>
+          </a:p>
+        </p:txBody>
+      </p:sp>
+      <p:sp>
+        <p:nvSpPr>
+          <p:cNvPr id="7" name="CasellaDiTesto 6"/>
+          <p:cNvSpPr txBox="1"/>
+          <p:nvPr/>
+        </p:nvSpPr>
+        <p:spPr>
+          <a:xfrm>
+            <a:off x="6314556" y="1689808"/>
+            <a:ext cx="5141343" cy="646331"/>
+          </a:xfrm>
+          <a:prstGeom prst="rect">
+            <a:avLst/>
+          </a:prstGeom>
+          <a:noFill/>
+        </p:spPr>
+        <p:txBody>
+          <a:bodyPr wrap="square" rtlCol="0">
+            <a:spAutoFit/>
+          </a:bodyPr>
+          <a:lstStyle/>
+          <a:p>
+            <a:pPr algn="ctr"/>
+            <a:r>
+              <a:rPr lang="it-IT" sz="3600" dirty="0" err="1"/>
+              <a:t>Capability</a:t>
+            </a:r>
+            <a:r>
+              <a:rPr lang="it-IT" sz="3600" dirty="0"/>
+              <a:t> </a:t>
+            </a:r>
+            <a:r>
+              <a:rPr lang="it-IT" sz="3600" dirty="0" err="1"/>
+              <a:t>Maturity</a:t>
+            </a:r>
+            <a:r>
+              <a:rPr lang="it-IT" sz="3600" dirty="0"/>
+              <a:t> Model</a:t>
+            </a:r>
+          </a:p>
+        </p:txBody>
+      </p:sp>
+      <p:sp>
+        <p:nvSpPr>
+          <p:cNvPr id="8" name="Rettangolo 7"/>
+          <p:cNvSpPr/>
+          <p:nvPr/>
+        </p:nvSpPr>
+        <p:spPr>
+          <a:xfrm>
+            <a:off x="8175920" y="5093766"/>
+            <a:ext cx="1328468" cy="526211"/>
+          </a:xfrm>
+          <a:prstGeom prst="rect">
+            <a:avLst/>
+          </a:prstGeom>
+          <a:solidFill>
+            <a:srgbClr val="FF0000"/>
+          </a:solidFill>
+          <a:ln>
+            <a:solidFill>
+              <a:schemeClr val="tx1"/>
+            </a:solidFill>
+          </a:ln>
+        </p:spPr>
+        <p:style>
+          <a:lnRef idx="2">
+            <a:schemeClr val="accent1">
+              <a:shade val="50000"/>
+            </a:schemeClr>
+          </a:lnRef>
+          <a:fillRef idx="1">
+            <a:schemeClr val="accent1"/>
+          </a:fillRef>
+          <a:effectRef idx="0">
+            <a:schemeClr val="accent1"/>
+          </a:effectRef>
+          <a:fontRef idx="minor">
+            <a:schemeClr val="lt1"/>
+          </a:fontRef>
+        </p:style>
+        <p:txBody>
+          <a:bodyPr rtlCol="0" anchor="ctr"/>
+          <a:lstStyle/>
+          <a:p>
+            <a:pPr algn="ctr"/>
+            <a:r>
+              <a:rPr lang="it-IT" dirty="0" err="1"/>
+              <a:t>Initial</a:t>
+            </a:r>
+            <a:endParaRPr lang="it-IT" dirty="0"/>
+          </a:p>
+        </p:txBody>
+      </p:sp>
+      <p:sp>
+        <p:nvSpPr>
+          <p:cNvPr id="10" name="Rettangolo 9"/>
+          <p:cNvSpPr/>
+          <p:nvPr/>
+        </p:nvSpPr>
+        <p:spPr>
+          <a:xfrm>
+            <a:off x="8820671" y="4567555"/>
+            <a:ext cx="1362974" cy="526211"/>
+          </a:xfrm>
+          <a:prstGeom prst="rect">
+            <a:avLst/>
+          </a:prstGeom>
+          <a:solidFill>
+            <a:schemeClr val="accent2"/>
+          </a:solidFill>
+          <a:ln>
+            <a:solidFill>
+              <a:schemeClr val="tx1"/>
+            </a:solidFill>
+          </a:ln>
+        </p:spPr>
+        <p:style>
+          <a:lnRef idx="2">
+            <a:schemeClr val="accent1">
+              <a:shade val="50000"/>
+            </a:schemeClr>
+          </a:lnRef>
+          <a:fillRef idx="1">
+            <a:schemeClr val="accent1"/>
+          </a:fillRef>
+          <a:effectRef idx="0">
+            <a:schemeClr val="accent1"/>
+          </a:effectRef>
+          <a:fontRef idx="minor">
+            <a:schemeClr val="lt1"/>
+          </a:fontRef>
+        </p:style>
+        <p:txBody>
+          <a:bodyPr rtlCol="0" anchor="ctr"/>
+          <a:lstStyle/>
+          <a:p>
+            <a:pPr algn="ctr"/>
+            <a:r>
+              <a:rPr lang="it-IT" dirty="0" err="1"/>
+              <a:t>Repeatable</a:t>
+            </a:r>
+            <a:endParaRPr lang="it-IT" dirty="0"/>
+          </a:p>
+        </p:txBody>
+      </p:sp>
+      <p:sp>
+        <p:nvSpPr>
+          <p:cNvPr id="11" name="Rettangolo 10"/>
+          <p:cNvSpPr/>
+          <p:nvPr/>
+        </p:nvSpPr>
+        <p:spPr>
+          <a:xfrm>
+            <a:off x="9465422" y="4041344"/>
+            <a:ext cx="1362974" cy="526211"/>
+          </a:xfrm>
+          <a:prstGeom prst="rect">
+            <a:avLst/>
+          </a:prstGeom>
+          <a:solidFill>
+            <a:srgbClr val="FFC000"/>
+          </a:solidFill>
+          <a:ln>
+            <a:solidFill>
+              <a:schemeClr val="tx1"/>
+            </a:solidFill>
+          </a:ln>
+        </p:spPr>
+        <p:style>
+          <a:lnRef idx="2">
+            <a:schemeClr val="accent1">
+              <a:shade val="50000"/>
+            </a:schemeClr>
+          </a:lnRef>
+          <a:fillRef idx="1">
+            <a:schemeClr val="accent1"/>
+          </a:fillRef>
+          <a:effectRef idx="0">
+            <a:schemeClr val="accent1"/>
+          </a:effectRef>
+          <a:fontRef idx="minor">
+            <a:schemeClr val="lt1"/>
+          </a:fontRef>
+        </p:style>
+        <p:txBody>
+          <a:bodyPr rtlCol="0" anchor="ctr"/>
+          <a:lstStyle/>
+          <a:p>
+            <a:pPr algn="ctr"/>
+            <a:r>
+              <a:rPr lang="it-IT" dirty="0" err="1"/>
+              <a:t>Defined</a:t>
+            </a:r>
+            <a:endParaRPr lang="it-IT" dirty="0"/>
+          </a:p>
+        </p:txBody>
+      </p:sp>
+      <p:sp>
+        <p:nvSpPr>
+          <p:cNvPr id="12" name="Rettangolo 11"/>
+          <p:cNvSpPr/>
+          <p:nvPr/>
+        </p:nvSpPr>
+        <p:spPr>
+          <a:xfrm>
+            <a:off x="10072132" y="3509879"/>
+            <a:ext cx="1362974" cy="526211"/>
+          </a:xfrm>
+          <a:prstGeom prst="rect">
+            <a:avLst/>
+          </a:prstGeom>
+          <a:solidFill>
+            <a:srgbClr val="92D050"/>
+          </a:solidFill>
+          <a:ln>
+            <a:solidFill>
+              <a:schemeClr val="tx1"/>
+            </a:solidFill>
+          </a:ln>
+        </p:spPr>
+        <p:style>
+          <a:lnRef idx="2">
+            <a:schemeClr val="accent1">
+              <a:shade val="50000"/>
+            </a:schemeClr>
+          </a:lnRef>
+          <a:fillRef idx="1">
+            <a:schemeClr val="accent1"/>
+          </a:fillRef>
+          <a:effectRef idx="0">
+            <a:schemeClr val="accent1"/>
+          </a:effectRef>
+          <a:fontRef idx="minor">
+            <a:schemeClr val="lt1"/>
+          </a:fontRef>
+        </p:style>
+        <p:txBody>
+          <a:bodyPr rtlCol="0" anchor="ctr"/>
+          <a:lstStyle/>
+          <a:p>
+            <a:pPr algn="ctr"/>
+            <a:r>
+              <a:rPr lang="it-IT" dirty="0" err="1"/>
+              <a:t>Managed</a:t>
+            </a:r>
+            <a:endParaRPr lang="it-IT" dirty="0"/>
+          </a:p>
+        </p:txBody>
+      </p:sp>
+      <p:sp>
+        <p:nvSpPr>
+          <p:cNvPr id="13" name="Rettangolo 12"/>
+          <p:cNvSpPr/>
+          <p:nvPr/>
+        </p:nvSpPr>
+        <p:spPr>
+          <a:xfrm>
+            <a:off x="10716883" y="2983668"/>
+            <a:ext cx="1362974" cy="526211"/>
+          </a:xfrm>
+          <a:prstGeom prst="rect">
+            <a:avLst/>
+          </a:prstGeom>
+          <a:solidFill>
+            <a:srgbClr val="00B050"/>
+          </a:solidFill>
+          <a:ln>
+            <a:solidFill>
+              <a:schemeClr val="tx1"/>
+            </a:solidFill>
+          </a:ln>
+        </p:spPr>
+        <p:style>
+          <a:lnRef idx="2">
+            <a:schemeClr val="accent1">
+              <a:shade val="50000"/>
+            </a:schemeClr>
+          </a:lnRef>
+          <a:fillRef idx="1">
+            <a:schemeClr val="accent1"/>
+          </a:fillRef>
+          <a:effectRef idx="0">
+            <a:schemeClr val="accent1"/>
+          </a:effectRef>
+          <a:fontRef idx="minor">
+            <a:schemeClr val="lt1"/>
+          </a:fontRef>
+        </p:style>
+        <p:txBody>
+          <a:bodyPr rtlCol="0" anchor="ctr"/>
+          <a:lstStyle/>
+          <a:p>
+            <a:pPr algn="ctr"/>
+            <a:r>
+              <a:rPr lang="it-IT" dirty="0"/>
+              <a:t>Optimizing</a:t>
+            </a:r>
+          </a:p>
+        </p:txBody>
+      </p:sp>
+      <p:sp>
+        <p:nvSpPr>
+          <p:cNvPr id="14" name="CasellaDiTesto 13"/>
+          <p:cNvSpPr txBox="1"/>
+          <p:nvPr/>
+        </p:nvSpPr>
+        <p:spPr>
+          <a:xfrm>
+            <a:off x="5817702" y="5099748"/>
+            <a:ext cx="2358925" cy="523220"/>
+          </a:xfrm>
+          <a:prstGeom prst="rect">
+            <a:avLst/>
+          </a:prstGeom>
+          <a:noFill/>
+        </p:spPr>
+        <p:txBody>
+          <a:bodyPr wrap="square" rtlCol="0">
+            <a:spAutoFit/>
+          </a:bodyPr>
+          <a:lstStyle/>
+          <a:p>
+            <a:r>
+              <a:rPr lang="it-IT" sz="1400" dirty="0" err="1"/>
+              <a:t>Process</a:t>
+            </a:r>
+            <a:r>
+              <a:rPr lang="it-IT" sz="1400" dirty="0"/>
+              <a:t> </a:t>
+            </a:r>
+            <a:r>
+              <a:rPr lang="it-IT" sz="1400" dirty="0" err="1"/>
+              <a:t>unpredictable</a:t>
+            </a:r>
+            <a:r>
+              <a:rPr lang="it-IT" sz="1400" dirty="0"/>
+              <a:t>, </a:t>
+            </a:r>
+            <a:r>
+              <a:rPr lang="it-IT" sz="1400" dirty="0" err="1"/>
+              <a:t>poorly</a:t>
+            </a:r>
+            <a:r>
+              <a:rPr lang="it-IT" sz="1400" dirty="0"/>
+              <a:t> </a:t>
+            </a:r>
+            <a:r>
+              <a:rPr lang="it-IT" sz="1400" dirty="0" err="1"/>
+              <a:t>controlled</a:t>
+            </a:r>
+            <a:r>
+              <a:rPr lang="it-IT" sz="1400" dirty="0"/>
+              <a:t> and </a:t>
+            </a:r>
+            <a:r>
+              <a:rPr lang="it-IT" sz="1400" dirty="0" err="1"/>
+              <a:t>reactive</a:t>
+            </a:r>
+            <a:endParaRPr lang="it-IT" sz="1400" dirty="0"/>
+          </a:p>
+        </p:txBody>
+      </p:sp>
+      <p:sp>
+        <p:nvSpPr>
+          <p:cNvPr id="15" name="CasellaDiTesto 14"/>
+          <p:cNvSpPr txBox="1"/>
+          <p:nvPr/>
+        </p:nvSpPr>
+        <p:spPr>
+          <a:xfrm>
+            <a:off x="6497873" y="4579519"/>
+            <a:ext cx="2298743" cy="523220"/>
+          </a:xfrm>
+          <a:prstGeom prst="rect">
+            <a:avLst/>
+          </a:prstGeom>
+          <a:noFill/>
+        </p:spPr>
+        <p:txBody>
+          <a:bodyPr wrap="square" rtlCol="0">
+            <a:spAutoFit/>
+          </a:bodyPr>
+          <a:lstStyle/>
+          <a:p>
+            <a:r>
+              <a:rPr lang="it-IT" sz="1400" dirty="0" err="1"/>
+              <a:t>Process</a:t>
+            </a:r>
+            <a:r>
+              <a:rPr lang="it-IT" sz="1400" dirty="0"/>
+              <a:t> </a:t>
+            </a:r>
+            <a:r>
+              <a:rPr lang="it-IT" sz="1400" dirty="0" err="1"/>
+              <a:t>characterized</a:t>
+            </a:r>
+            <a:r>
+              <a:rPr lang="it-IT" sz="1400" dirty="0"/>
+              <a:t> for </a:t>
+            </a:r>
+            <a:r>
+              <a:rPr lang="it-IT" sz="1400" b="1" dirty="0" err="1"/>
+              <a:t>projects</a:t>
+            </a:r>
+            <a:r>
+              <a:rPr lang="it-IT" sz="1400" dirty="0"/>
+              <a:t> and </a:t>
+            </a:r>
+            <a:r>
+              <a:rPr lang="it-IT" sz="1400" dirty="0" err="1"/>
+              <a:t>is</a:t>
+            </a:r>
+            <a:r>
+              <a:rPr lang="it-IT" sz="1400" dirty="0"/>
+              <a:t> </a:t>
+            </a:r>
+            <a:r>
+              <a:rPr lang="it-IT" sz="1400" dirty="0" err="1"/>
+              <a:t>often</a:t>
+            </a:r>
+            <a:r>
+              <a:rPr lang="it-IT" sz="1400" dirty="0"/>
+              <a:t> </a:t>
+            </a:r>
+            <a:r>
+              <a:rPr lang="it-IT" sz="1400" dirty="0" err="1"/>
+              <a:t>reactive</a:t>
+            </a:r>
+            <a:endParaRPr lang="it-IT" sz="1400" dirty="0"/>
+          </a:p>
+        </p:txBody>
+      </p:sp>
+      <p:sp>
+        <p:nvSpPr>
+          <p:cNvPr id="16" name="CasellaDiTesto 15"/>
+          <p:cNvSpPr txBox="1"/>
+          <p:nvPr/>
+        </p:nvSpPr>
+        <p:spPr>
+          <a:xfrm>
+            <a:off x="7183882" y="4038353"/>
+            <a:ext cx="2281540" cy="523220"/>
+          </a:xfrm>
+          <a:prstGeom prst="rect">
+            <a:avLst/>
+          </a:prstGeom>
+          <a:noFill/>
+        </p:spPr>
+        <p:txBody>
+          <a:bodyPr wrap="square" rtlCol="0">
+            <a:spAutoFit/>
+          </a:bodyPr>
+          <a:lstStyle/>
+          <a:p>
+            <a:r>
+              <a:rPr lang="it-IT" sz="1400" dirty="0" err="1"/>
+              <a:t>Process</a:t>
+            </a:r>
+            <a:r>
+              <a:rPr lang="it-IT" sz="1400" dirty="0"/>
+              <a:t> </a:t>
+            </a:r>
+            <a:r>
+              <a:rPr lang="it-IT" sz="1400" dirty="0" err="1"/>
+              <a:t>characterized</a:t>
+            </a:r>
+            <a:r>
+              <a:rPr lang="it-IT" sz="1400" dirty="0"/>
+              <a:t> for the </a:t>
+            </a:r>
+            <a:r>
+              <a:rPr lang="it-IT" sz="1400" b="1" dirty="0" err="1"/>
+              <a:t>organization</a:t>
+            </a:r>
+            <a:r>
+              <a:rPr lang="it-IT" sz="1400" dirty="0"/>
+              <a:t> and </a:t>
+            </a:r>
+            <a:r>
+              <a:rPr lang="it-IT" sz="1400" dirty="0" err="1"/>
+              <a:t>is</a:t>
+            </a:r>
+            <a:r>
+              <a:rPr lang="it-IT" sz="1400" dirty="0"/>
+              <a:t> </a:t>
+            </a:r>
+            <a:r>
+              <a:rPr lang="it-IT" sz="1400" dirty="0" err="1"/>
+              <a:t>proactive</a:t>
+            </a:r>
+            <a:endParaRPr lang="it-IT" sz="1400" dirty="0"/>
+          </a:p>
+        </p:txBody>
+      </p:sp>
+      <p:sp>
+        <p:nvSpPr>
+          <p:cNvPr id="17" name="CasellaDiTesto 16"/>
+          <p:cNvSpPr txBox="1"/>
+          <p:nvPr/>
+        </p:nvSpPr>
+        <p:spPr>
+          <a:xfrm>
+            <a:off x="8528390" y="3518852"/>
+            <a:ext cx="1543742" cy="523220"/>
+          </a:xfrm>
+          <a:prstGeom prst="rect">
+            <a:avLst/>
+          </a:prstGeom>
+          <a:noFill/>
+        </p:spPr>
+        <p:txBody>
+          <a:bodyPr wrap="square" rtlCol="0">
+            <a:spAutoFit/>
+          </a:bodyPr>
+          <a:lstStyle/>
+          <a:p>
+            <a:r>
+              <a:rPr lang="it-IT" sz="1400" dirty="0" err="1"/>
+              <a:t>Process</a:t>
+            </a:r>
+            <a:r>
+              <a:rPr lang="it-IT" sz="1400" dirty="0"/>
+              <a:t> </a:t>
+            </a:r>
+            <a:r>
+              <a:rPr lang="it-IT" sz="1400" b="1" dirty="0" err="1"/>
+              <a:t>measured</a:t>
+            </a:r>
+            <a:r>
+              <a:rPr lang="it-IT" sz="1400" dirty="0"/>
+              <a:t> and </a:t>
+            </a:r>
+            <a:r>
+              <a:rPr lang="it-IT" sz="1400" dirty="0" err="1"/>
+              <a:t>controlled</a:t>
+            </a:r>
+            <a:endParaRPr lang="it-IT" sz="1400" dirty="0"/>
+          </a:p>
+        </p:txBody>
+      </p:sp>
+      <p:sp>
+        <p:nvSpPr>
+          <p:cNvPr id="18" name="CasellaDiTesto 17"/>
+          <p:cNvSpPr txBox="1"/>
+          <p:nvPr/>
+        </p:nvSpPr>
+        <p:spPr>
+          <a:xfrm>
+            <a:off x="9284551" y="2977686"/>
+            <a:ext cx="1427657" cy="523220"/>
+          </a:xfrm>
+          <a:prstGeom prst="rect">
+            <a:avLst/>
+          </a:prstGeom>
+          <a:noFill/>
+        </p:spPr>
+        <p:txBody>
+          <a:bodyPr wrap="square" rtlCol="0">
+            <a:spAutoFit/>
+          </a:bodyPr>
+          <a:lstStyle/>
+          <a:p>
+            <a:r>
+              <a:rPr lang="it-IT" sz="1400" dirty="0"/>
+              <a:t>Focus on </a:t>
+            </a:r>
+            <a:r>
+              <a:rPr lang="it-IT" sz="1400" dirty="0" err="1"/>
+              <a:t>process</a:t>
+            </a:r>
+            <a:r>
+              <a:rPr lang="it-IT" sz="1400" dirty="0"/>
+              <a:t> </a:t>
+            </a:r>
+            <a:r>
+              <a:rPr lang="it-IT" sz="1400" b="1" dirty="0" err="1"/>
+              <a:t>improvement</a:t>
+            </a:r>
+            <a:endParaRPr lang="it-IT" sz="1400" dirty="0"/>
+          </a:p>
+        </p:txBody>
+      </p:sp>
+      <p:sp>
+        <p:nvSpPr>
+          <p:cNvPr id="19" name="Rettangolo con angoli arrotondati 18"/>
+          <p:cNvSpPr/>
+          <p:nvPr/>
+        </p:nvSpPr>
+        <p:spPr>
+          <a:xfrm>
+            <a:off x="8898271" y="3012227"/>
+            <a:ext cx="354074" cy="445601"/>
+          </a:xfrm>
+          <a:prstGeom prst="roundRect">
+            <a:avLst/>
+          </a:prstGeom>
+          <a:solidFill>
+            <a:srgbClr val="00B050"/>
+          </a:solidFill>
+          <a:ln>
+            <a:solidFill>
+              <a:schemeClr val="tx1"/>
+            </a:solidFill>
+          </a:ln>
+        </p:spPr>
+        <p:style>
+          <a:lnRef idx="2">
+            <a:schemeClr val="accent1">
+              <a:shade val="50000"/>
+            </a:schemeClr>
+          </a:lnRef>
+          <a:fillRef idx="1">
+            <a:schemeClr val="accent1"/>
+          </a:fillRef>
+          <a:effectRef idx="0">
+            <a:schemeClr val="accent1"/>
+          </a:effectRef>
+          <a:fontRef idx="minor">
+            <a:schemeClr val="lt1"/>
+          </a:fontRef>
+        </p:style>
+        <p:txBody>
+          <a:bodyPr rtlCol="0" anchor="ctr"/>
+          <a:lstStyle/>
+          <a:p>
+            <a:pPr algn="ctr"/>
+            <a:r>
+              <a:rPr lang="it-IT" dirty="0"/>
+              <a:t>5</a:t>
+            </a:r>
+          </a:p>
+        </p:txBody>
+      </p:sp>
+      <p:sp>
+        <p:nvSpPr>
+          <p:cNvPr id="20" name="Rettangolo con angoli arrotondati 19"/>
+          <p:cNvSpPr/>
+          <p:nvPr/>
+        </p:nvSpPr>
+        <p:spPr>
+          <a:xfrm>
+            <a:off x="8147615" y="3549456"/>
+            <a:ext cx="354074" cy="445601"/>
+          </a:xfrm>
+          <a:prstGeom prst="roundRect">
+            <a:avLst/>
+          </a:prstGeom>
+          <a:solidFill>
+            <a:srgbClr val="92D050"/>
+          </a:solidFill>
+          <a:ln>
+            <a:solidFill>
+              <a:schemeClr val="tx1"/>
+            </a:solidFill>
+          </a:ln>
+        </p:spPr>
+        <p:style>
+          <a:lnRef idx="2">
+            <a:schemeClr val="accent1">
+              <a:shade val="50000"/>
+            </a:schemeClr>
+          </a:lnRef>
+          <a:fillRef idx="1">
+            <a:schemeClr val="accent1"/>
+          </a:fillRef>
+          <a:effectRef idx="0">
+            <a:schemeClr val="accent1"/>
+          </a:effectRef>
+          <a:fontRef idx="minor">
+            <a:schemeClr val="lt1"/>
+          </a:fontRef>
+        </p:style>
+        <p:txBody>
+          <a:bodyPr rtlCol="0" anchor="ctr"/>
+          <a:lstStyle/>
+          <a:p>
+            <a:pPr algn="ctr"/>
+            <a:r>
+              <a:rPr lang="it-IT" dirty="0"/>
+              <a:t>4</a:t>
+            </a:r>
+          </a:p>
+        </p:txBody>
+      </p:sp>
+      <p:sp>
+        <p:nvSpPr>
+          <p:cNvPr id="21" name="Rettangolo con angoli arrotondati 20"/>
+          <p:cNvSpPr/>
+          <p:nvPr/>
+        </p:nvSpPr>
+        <p:spPr>
+          <a:xfrm>
+            <a:off x="6777873" y="4077159"/>
+            <a:ext cx="354074" cy="445601"/>
+          </a:xfrm>
+          <a:prstGeom prst="roundRect">
+            <a:avLst/>
+          </a:prstGeom>
+          <a:solidFill>
+            <a:srgbClr val="FFC000"/>
+          </a:solidFill>
+          <a:ln>
+            <a:solidFill>
+              <a:schemeClr val="tx1"/>
+            </a:solidFill>
+          </a:ln>
+        </p:spPr>
+        <p:style>
+          <a:lnRef idx="2">
+            <a:schemeClr val="accent1">
+              <a:shade val="50000"/>
+            </a:schemeClr>
+          </a:lnRef>
+          <a:fillRef idx="1">
+            <a:schemeClr val="accent1"/>
+          </a:fillRef>
+          <a:effectRef idx="0">
+            <a:schemeClr val="accent1"/>
+          </a:effectRef>
+          <a:fontRef idx="minor">
+            <a:schemeClr val="lt1"/>
+          </a:fontRef>
+        </p:style>
+        <p:txBody>
+          <a:bodyPr rtlCol="0" anchor="ctr"/>
+          <a:lstStyle/>
+          <a:p>
+            <a:pPr algn="ctr"/>
+            <a:r>
+              <a:rPr lang="it-IT" dirty="0"/>
+              <a:t>3</a:t>
+            </a:r>
+          </a:p>
+        </p:txBody>
+      </p:sp>
+      <p:sp>
+        <p:nvSpPr>
+          <p:cNvPr id="22" name="Rettangolo con angoli arrotondati 21"/>
+          <p:cNvSpPr/>
+          <p:nvPr/>
+        </p:nvSpPr>
+        <p:spPr>
+          <a:xfrm>
+            <a:off x="6087143" y="4618328"/>
+            <a:ext cx="354074" cy="445601"/>
+          </a:xfrm>
+          <a:prstGeom prst="roundRect">
+            <a:avLst/>
+          </a:prstGeom>
+          <a:solidFill>
+            <a:schemeClr val="accent2"/>
+          </a:solidFill>
+          <a:ln>
+            <a:solidFill>
+              <a:schemeClr val="tx1"/>
+            </a:solidFill>
+          </a:ln>
+        </p:spPr>
+        <p:style>
+          <a:lnRef idx="2">
+            <a:schemeClr val="accent1">
+              <a:shade val="50000"/>
+            </a:schemeClr>
+          </a:lnRef>
+          <a:fillRef idx="1">
+            <a:schemeClr val="accent1"/>
+          </a:fillRef>
+          <a:effectRef idx="0">
+            <a:schemeClr val="accent1"/>
+          </a:effectRef>
+          <a:fontRef idx="minor">
+            <a:schemeClr val="lt1"/>
+          </a:fontRef>
+        </p:style>
+        <p:txBody>
+          <a:bodyPr rtlCol="0" anchor="ctr"/>
+          <a:lstStyle/>
+          <a:p>
+            <a:pPr algn="ctr"/>
+            <a:r>
+              <a:rPr lang="it-IT" dirty="0"/>
+              <a:t>2</a:t>
+            </a:r>
+          </a:p>
+        </p:txBody>
+      </p:sp>
+      <p:sp>
+        <p:nvSpPr>
+          <p:cNvPr id="23" name="Rettangolo con angoli arrotondati 22"/>
+          <p:cNvSpPr/>
+          <p:nvPr/>
+        </p:nvSpPr>
+        <p:spPr>
+          <a:xfrm>
+            <a:off x="5415783" y="5134070"/>
+            <a:ext cx="354074" cy="445601"/>
+          </a:xfrm>
+          <a:prstGeom prst="roundRect">
+            <a:avLst/>
+          </a:prstGeom>
+          <a:solidFill>
+            <a:srgbClr val="FF0000"/>
+          </a:solidFill>
+          <a:ln>
+            <a:solidFill>
+              <a:schemeClr val="tx1"/>
+            </a:solidFill>
+          </a:ln>
+        </p:spPr>
+        <p:style>
+          <a:lnRef idx="2">
+            <a:schemeClr val="accent1">
+              <a:shade val="50000"/>
+            </a:schemeClr>
+          </a:lnRef>
+          <a:fillRef idx="1">
+            <a:schemeClr val="accent1"/>
+          </a:fillRef>
+          <a:effectRef idx="0">
+            <a:schemeClr val="accent1"/>
+          </a:effectRef>
+          <a:fontRef idx="minor">
+            <a:schemeClr val="lt1"/>
+          </a:fontRef>
+        </p:style>
+        <p:txBody>
+          <a:bodyPr rtlCol="0" anchor="ctr"/>
+          <a:lstStyle/>
+          <a:p>
+            <a:pPr algn="ctr"/>
+            <a:r>
+              <a:rPr lang="it-IT" dirty="0"/>
+              <a:t>1</a:t>
+            </a:r>
+          </a:p>
+        </p:txBody>
+      </p:sp>
+      <p:sp>
+        <p:nvSpPr>
+          <p:cNvPr id="24" name="CasellaDiTesto 23"/>
+          <p:cNvSpPr txBox="1"/>
+          <p:nvPr/>
+        </p:nvSpPr>
+        <p:spPr>
+          <a:xfrm>
+            <a:off x="5204167" y="1355492"/>
+            <a:ext cx="777305" cy="1323439"/>
+          </a:xfrm>
+          <a:prstGeom prst="rect">
+            <a:avLst/>
+          </a:prstGeom>
+          <a:noFill/>
+        </p:spPr>
+        <p:txBody>
+          <a:bodyPr wrap="square" rtlCol="0">
+            <a:spAutoFit/>
+          </a:bodyPr>
+          <a:lstStyle/>
+          <a:p>
+            <a:r>
+              <a:rPr lang="it-IT" sz="8000" dirty="0"/>
+              <a:t>+</a:t>
+            </a:r>
+          </a:p>
+        </p:txBody>
+      </p:sp>
+    </p:spTree>
+    <p:extLst>
+      <p:ext uri="{BB962C8B-B14F-4D97-AF65-F5344CB8AC3E}">
+        <p14:creationId xmlns:p14="http://schemas.microsoft.com/office/powerpoint/2010/main" val="2453358803"/>
+      </p:ext>
+    </p:extLst>
+  </p:cSld>
+  <p:clrMapOvr>
+    <a:masterClrMapping/>
+  </p:clrMapOvr>
+</p:sld>
+</file>
+
+<file path=ppt/slides/slide11.xml><?xml version="1.0" encoding="utf-8"?>
+<p:sld xmlns:a="http://schemas.openxmlformats.org/drawingml/2006/main" xmlns:r="http://schemas.openxmlformats.org/officeDocument/2006/relationships" xmlns:p="http://schemas.openxmlformats.org/presentationml/2006/main">
+  <p:cSld>
+    <p:spTree>
+      <p:nvGrpSpPr>
+        <p:cNvPr id="1" name=""/>
+        <p:cNvGrpSpPr/>
+        <p:nvPr/>
+      </p:nvGrpSpPr>
+      <p:grpSpPr>
+        <a:xfrm>
+          <a:off x="0" y="0"/>
+          <a:ext cx="0" cy="0"/>
+          <a:chOff x="0" y="0"/>
+          <a:chExt cx="0" cy="0"/>
+        </a:xfrm>
+      </p:grpSpPr>
+      <p:sp>
+        <p:nvSpPr>
+          <p:cNvPr id="3" name="Segnaposto contenuto 2"/>
+          <p:cNvSpPr>
+            <a:spLocks noGrp="1"/>
+          </p:cNvSpPr>
+          <p:nvPr>
+            <p:ph idx="1"/>
+          </p:nvPr>
+        </p:nvSpPr>
+        <p:spPr>
+          <a:xfrm>
+            <a:off x="6625355" y="3069448"/>
+            <a:ext cx="5135880" cy="939519"/>
+          </a:xfrm>
+        </p:spPr>
         <p:txBody>
           <a:bodyPr>
             <a:normAutofit/>
           </a:bodyPr>
           <a:lstStyle/>
           <a:p>
-            <a:r>
-              <a:rPr lang="it-IT" sz="2800" dirty="0"/>
-              <a:t>Qualità di processo e di prodotto</a:t>
-            </a:r>
-          </a:p>
-          <a:p>
-            <a:r>
-              <a:rPr lang="it-IT" sz="2800" dirty="0"/>
-              <a:t>Resoconto delle attività di verifica</a:t>
-            </a:r>
-          </a:p>
-        </p:txBody>
-      </p:sp>
-      <p:sp>
-        <p:nvSpPr>
-          <p:cNvPr id="7" name="CasellaDiTesto 6"/>
+            <a:pPr marL="0" indent="0" algn="ctr">
+              <a:buNone/>
+            </a:pPr>
+            <a:r>
+              <a:rPr lang="it-IT" dirty="0"/>
+              <a:t>Pianificazione della stesura dei documenti</a:t>
+            </a:r>
+          </a:p>
+        </p:txBody>
+      </p:sp>
+      <p:sp>
+        <p:nvSpPr>
+          <p:cNvPr id="4" name="Rettangolo 3"/>
+          <p:cNvSpPr/>
+          <p:nvPr/>
+        </p:nvSpPr>
+        <p:spPr>
+          <a:xfrm>
+            <a:off x="0" y="0"/>
+            <a:ext cx="6064301" cy="6858000"/>
+          </a:xfrm>
+          <a:prstGeom prst="rect">
+            <a:avLst/>
+          </a:prstGeom>
+          <a:solidFill>
+            <a:schemeClr val="accent1">
+              <a:lumMod val="75000"/>
+            </a:schemeClr>
+          </a:solidFill>
+        </p:spPr>
+        <p:style>
+          <a:lnRef idx="2">
+            <a:schemeClr val="accent1">
+              <a:shade val="50000"/>
+            </a:schemeClr>
+          </a:lnRef>
+          <a:fillRef idx="1">
+            <a:schemeClr val="accent1"/>
+          </a:fillRef>
+          <a:effectRef idx="0">
+            <a:schemeClr val="accent1"/>
+          </a:effectRef>
+          <a:fontRef idx="minor">
+            <a:schemeClr val="lt1"/>
+          </a:fontRef>
+        </p:style>
+        <p:txBody>
+          <a:bodyPr rtlCol="0" anchor="ctr"/>
+          <a:lstStyle/>
+          <a:p>
+            <a:pPr algn="ctr"/>
+            <a:endParaRPr lang="it-IT"/>
+          </a:p>
+        </p:txBody>
+      </p:sp>
+      <p:pic>
+        <p:nvPicPr>
+          <p:cNvPr id="6" name="Immagine 5"/>
+          <p:cNvPicPr>
+            <a:picLocks noChangeAspect="1"/>
+          </p:cNvPicPr>
+          <p:nvPr/>
+        </p:nvPicPr>
+        <p:blipFill>
+          <a:blip r:embed="rId2">
+            <a:extLst>
+              <a:ext uri="{28A0092B-C50C-407E-A947-70E740481C1C}">
+                <a14:useLocalDpi xmlns:a14="http://schemas.microsoft.com/office/drawing/2010/main" val="0"/>
+              </a:ext>
+            </a:extLst>
+          </a:blip>
+          <a:stretch>
+            <a:fillRect/>
+          </a:stretch>
+        </p:blipFill>
+        <p:spPr>
+          <a:xfrm>
+            <a:off x="363544" y="1556309"/>
+            <a:ext cx="5502307" cy="3745382"/>
+          </a:xfrm>
+          <a:prstGeom prst="rect">
+            <a:avLst/>
+          </a:prstGeom>
+        </p:spPr>
+      </p:pic>
+      <p:sp>
+        <p:nvSpPr>
+          <p:cNvPr id="7" name="Rettangolo con angoli arrotondati 6"/>
+          <p:cNvSpPr/>
+          <p:nvPr/>
+        </p:nvSpPr>
+        <p:spPr>
+          <a:xfrm>
+            <a:off x="1302106" y="1379398"/>
+            <a:ext cx="1367942" cy="1192377"/>
+          </a:xfrm>
+          <a:prstGeom prst="roundRect">
+            <a:avLst/>
+          </a:prstGeom>
+          <a:noFill/>
+          <a:ln w="38100">
+            <a:solidFill>
+              <a:srgbClr val="FF0000"/>
+            </a:solidFill>
+          </a:ln>
+        </p:spPr>
+        <p:style>
+          <a:lnRef idx="2">
+            <a:schemeClr val="accent1">
+              <a:shade val="50000"/>
+            </a:schemeClr>
+          </a:lnRef>
+          <a:fillRef idx="1">
+            <a:schemeClr val="accent1"/>
+          </a:fillRef>
+          <a:effectRef idx="0">
+            <a:schemeClr val="accent1"/>
+          </a:effectRef>
+          <a:fontRef idx="minor">
+            <a:schemeClr val="lt1"/>
+          </a:fontRef>
+        </p:style>
+        <p:txBody>
+          <a:bodyPr rtlCol="0" anchor="ctr"/>
+          <a:lstStyle/>
+          <a:p>
+            <a:pPr algn="ctr"/>
+            <a:endParaRPr lang="it-IT"/>
+          </a:p>
+        </p:txBody>
+      </p:sp>
+      <p:sp>
+        <p:nvSpPr>
+          <p:cNvPr id="9" name="CasellaDiTesto 8"/>
           <p:cNvSpPr txBox="1"/>
           <p:nvPr/>
         </p:nvSpPr>
         <p:spPr>
           <a:xfrm>
-            <a:off x="11179834" y="6367898"/>
-            <a:ext cx="900023" cy="369332"/>
+            <a:off x="8562353" y="2238451"/>
+            <a:ext cx="1261884" cy="830997"/>
+          </a:xfrm>
+          <a:prstGeom prst="rect">
+            <a:avLst/>
+          </a:prstGeom>
+          <a:noFill/>
+        </p:spPr>
+        <p:txBody>
+          <a:bodyPr wrap="none" rtlCol="0">
+            <a:spAutoFit/>
+          </a:bodyPr>
+          <a:lstStyle/>
+          <a:p>
+            <a:r>
+              <a:rPr lang="it-IT" sz="4800" b="1" dirty="0">
+                <a:solidFill>
+                  <a:srgbClr val="00B0F0"/>
+                </a:solidFill>
+              </a:rPr>
+              <a:t>P</a:t>
+            </a:r>
+            <a:r>
+              <a:rPr lang="it-IT" sz="4800" dirty="0">
+                <a:solidFill>
+                  <a:srgbClr val="00B0F0"/>
+                </a:solidFill>
+              </a:rPr>
+              <a:t>lan</a:t>
+            </a:r>
+          </a:p>
+        </p:txBody>
+      </p:sp>
+      <p:sp>
+        <p:nvSpPr>
+          <p:cNvPr id="11" name="CasellaDiTesto 10"/>
+          <p:cNvSpPr txBox="1"/>
+          <p:nvPr/>
+        </p:nvSpPr>
+        <p:spPr>
+          <a:xfrm>
+            <a:off x="9433778" y="6367898"/>
+            <a:ext cx="2646079" cy="369332"/>
           </a:xfrm>
           <a:prstGeom prst="rect">
             <a:avLst/>
@@ -3088,7 +4290,7 @@
             <a:pPr algn="r"/>
             <a:r>
               <a:rPr lang="it-IT" dirty="0"/>
-              <a:t>?? / ??</a:t>
+              <a:t>Piano di Qualifica - ?? / ??</a:t>
             </a:r>
           </a:p>
         </p:txBody>
@@ -3096,7 +4298,1110 @@
     </p:spTree>
     <p:extLst>
       <p:ext uri="{BB962C8B-B14F-4D97-AF65-F5344CB8AC3E}">
-        <p14:creationId xmlns:p14="http://schemas.microsoft.com/office/powerpoint/2010/main" val="1641656009"/>
+        <p14:creationId xmlns:p14="http://schemas.microsoft.com/office/powerpoint/2010/main" val="2076426961"/>
+      </p:ext>
+    </p:extLst>
+  </p:cSld>
+  <p:clrMapOvr>
+    <a:masterClrMapping/>
+  </p:clrMapOvr>
+</p:sld>
+</file>
+
+<file path=ppt/slides/slide12.xml><?xml version="1.0" encoding="utf-8"?>
+<p:sld xmlns:a="http://schemas.openxmlformats.org/drawingml/2006/main" xmlns:r="http://schemas.openxmlformats.org/officeDocument/2006/relationships" xmlns:p="http://schemas.openxmlformats.org/presentationml/2006/main">
+  <p:cSld>
+    <p:spTree>
+      <p:nvGrpSpPr>
+        <p:cNvPr id="1" name=""/>
+        <p:cNvGrpSpPr/>
+        <p:nvPr/>
+      </p:nvGrpSpPr>
+      <p:grpSpPr>
+        <a:xfrm>
+          <a:off x="0" y="0"/>
+          <a:ext cx="0" cy="0"/>
+          <a:chOff x="0" y="0"/>
+          <a:chExt cx="0" cy="0"/>
+        </a:xfrm>
+      </p:grpSpPr>
+      <p:sp>
+        <p:nvSpPr>
+          <p:cNvPr id="4" name="Rettangolo 3"/>
+          <p:cNvSpPr/>
+          <p:nvPr/>
+        </p:nvSpPr>
+        <p:spPr>
+          <a:xfrm>
+            <a:off x="0" y="-7951"/>
+            <a:ext cx="6064301" cy="6858636"/>
+          </a:xfrm>
+          <a:prstGeom prst="rect">
+            <a:avLst/>
+          </a:prstGeom>
+          <a:solidFill>
+            <a:schemeClr val="accent1">
+              <a:lumMod val="75000"/>
+            </a:schemeClr>
+          </a:solidFill>
+        </p:spPr>
+        <p:style>
+          <a:lnRef idx="2">
+            <a:schemeClr val="accent1">
+              <a:shade val="50000"/>
+            </a:schemeClr>
+          </a:lnRef>
+          <a:fillRef idx="1">
+            <a:schemeClr val="accent1"/>
+          </a:fillRef>
+          <a:effectRef idx="0">
+            <a:schemeClr val="accent1"/>
+          </a:effectRef>
+          <a:fontRef idx="minor">
+            <a:schemeClr val="lt1"/>
+          </a:fontRef>
+        </p:style>
+        <p:txBody>
+          <a:bodyPr rtlCol="0" anchor="ctr"/>
+          <a:lstStyle/>
+          <a:p>
+            <a:pPr algn="ctr"/>
+            <a:endParaRPr lang="it-IT" dirty="0"/>
+          </a:p>
+        </p:txBody>
+      </p:sp>
+      <p:pic>
+        <p:nvPicPr>
+          <p:cNvPr id="7" name="Immagine 6"/>
+          <p:cNvPicPr>
+            <a:picLocks noChangeAspect="1"/>
+          </p:cNvPicPr>
+          <p:nvPr/>
+        </p:nvPicPr>
+        <p:blipFill>
+          <a:blip r:embed="rId2"/>
+          <a:stretch>
+            <a:fillRect/>
+          </a:stretch>
+        </p:blipFill>
+        <p:spPr>
+          <a:xfrm>
+            <a:off x="360035" y="1553999"/>
+            <a:ext cx="5505165" cy="3749365"/>
+          </a:xfrm>
+          <a:prstGeom prst="rect">
+            <a:avLst/>
+          </a:prstGeom>
+        </p:spPr>
+      </p:pic>
+      <p:sp>
+        <p:nvSpPr>
+          <p:cNvPr id="8" name="Rettangolo con angoli arrotondati 7"/>
+          <p:cNvSpPr/>
+          <p:nvPr/>
+        </p:nvSpPr>
+        <p:spPr>
+          <a:xfrm>
+            <a:off x="4103825" y="1360628"/>
+            <a:ext cx="1258215" cy="1141171"/>
+          </a:xfrm>
+          <a:prstGeom prst="roundRect">
+            <a:avLst/>
+          </a:prstGeom>
+          <a:noFill/>
+          <a:ln w="38100">
+            <a:solidFill>
+              <a:srgbClr val="FF0000"/>
+            </a:solidFill>
+          </a:ln>
+        </p:spPr>
+        <p:style>
+          <a:lnRef idx="2">
+            <a:schemeClr val="accent1">
+              <a:shade val="50000"/>
+            </a:schemeClr>
+          </a:lnRef>
+          <a:fillRef idx="1">
+            <a:schemeClr val="accent1"/>
+          </a:fillRef>
+          <a:effectRef idx="0">
+            <a:schemeClr val="accent1"/>
+          </a:effectRef>
+          <a:fontRef idx="minor">
+            <a:schemeClr val="lt1"/>
+          </a:fontRef>
+        </p:style>
+        <p:txBody>
+          <a:bodyPr rtlCol="0" anchor="ctr"/>
+          <a:lstStyle/>
+          <a:p>
+            <a:pPr algn="ctr"/>
+            <a:endParaRPr lang="it-IT"/>
+          </a:p>
+        </p:txBody>
+      </p:sp>
+      <p:sp>
+        <p:nvSpPr>
+          <p:cNvPr id="13" name="Segnaposto contenuto 2"/>
+          <p:cNvSpPr>
+            <a:spLocks noGrp="1"/>
+          </p:cNvSpPr>
+          <p:nvPr>
+            <p:ph idx="1"/>
+          </p:nvPr>
+        </p:nvSpPr>
+        <p:spPr>
+          <a:xfrm>
+            <a:off x="6625355" y="3069448"/>
+            <a:ext cx="5135880" cy="939519"/>
+          </a:xfrm>
+        </p:spPr>
+        <p:txBody>
+          <a:bodyPr>
+            <a:normAutofit/>
+          </a:bodyPr>
+          <a:lstStyle/>
+          <a:p>
+            <a:pPr marL="0" indent="0" algn="ctr">
+              <a:buNone/>
+            </a:pPr>
+            <a:r>
+              <a:rPr lang="it-IT" dirty="0"/>
+              <a:t>Stesura effettiva dei documenti</a:t>
+            </a:r>
+          </a:p>
+        </p:txBody>
+      </p:sp>
+      <p:sp>
+        <p:nvSpPr>
+          <p:cNvPr id="14" name="CasellaDiTesto 13"/>
+          <p:cNvSpPr txBox="1"/>
+          <p:nvPr/>
+        </p:nvSpPr>
+        <p:spPr>
+          <a:xfrm>
+            <a:off x="8744293" y="2238451"/>
+            <a:ext cx="898003" cy="830997"/>
+          </a:xfrm>
+          <a:prstGeom prst="rect">
+            <a:avLst/>
+          </a:prstGeom>
+          <a:noFill/>
+        </p:spPr>
+        <p:txBody>
+          <a:bodyPr wrap="none" rtlCol="0">
+            <a:spAutoFit/>
+          </a:bodyPr>
+          <a:lstStyle/>
+          <a:p>
+            <a:r>
+              <a:rPr lang="it-IT" sz="4800" b="1" dirty="0">
+                <a:solidFill>
+                  <a:srgbClr val="7030A0"/>
+                </a:solidFill>
+              </a:rPr>
+              <a:t>D</a:t>
+            </a:r>
+            <a:r>
+              <a:rPr lang="it-IT" sz="4800" dirty="0">
+                <a:solidFill>
+                  <a:srgbClr val="7030A0"/>
+                </a:solidFill>
+              </a:rPr>
+              <a:t>o</a:t>
+            </a:r>
+          </a:p>
+        </p:txBody>
+      </p:sp>
+      <p:sp>
+        <p:nvSpPr>
+          <p:cNvPr id="10" name="CasellaDiTesto 9"/>
+          <p:cNvSpPr txBox="1"/>
+          <p:nvPr/>
+        </p:nvSpPr>
+        <p:spPr>
+          <a:xfrm>
+            <a:off x="9433778" y="6367898"/>
+            <a:ext cx="2646079" cy="369332"/>
+          </a:xfrm>
+          <a:prstGeom prst="rect">
+            <a:avLst/>
+          </a:prstGeom>
+          <a:noFill/>
+        </p:spPr>
+        <p:txBody>
+          <a:bodyPr wrap="square" rtlCol="0">
+            <a:spAutoFit/>
+          </a:bodyPr>
+          <a:lstStyle/>
+          <a:p>
+            <a:pPr algn="r"/>
+            <a:r>
+              <a:rPr lang="it-IT" dirty="0"/>
+              <a:t>Piano di Qualifica - ?? / ??</a:t>
+            </a:r>
+          </a:p>
+        </p:txBody>
+      </p:sp>
+    </p:spTree>
+    <p:extLst>
+      <p:ext uri="{BB962C8B-B14F-4D97-AF65-F5344CB8AC3E}">
+        <p14:creationId xmlns:p14="http://schemas.microsoft.com/office/powerpoint/2010/main" val="2276799285"/>
+      </p:ext>
+    </p:extLst>
+  </p:cSld>
+  <p:clrMapOvr>
+    <a:masterClrMapping/>
+  </p:clrMapOvr>
+</p:sld>
+</file>
+
+<file path=ppt/slides/slide13.xml><?xml version="1.0" encoding="utf-8"?>
+<p:sld xmlns:a="http://schemas.openxmlformats.org/drawingml/2006/main" xmlns:r="http://schemas.openxmlformats.org/officeDocument/2006/relationships" xmlns:p="http://schemas.openxmlformats.org/presentationml/2006/main">
+  <p:cSld>
+    <p:spTree>
+      <p:nvGrpSpPr>
+        <p:cNvPr id="1" name=""/>
+        <p:cNvGrpSpPr/>
+        <p:nvPr/>
+      </p:nvGrpSpPr>
+      <p:grpSpPr>
+        <a:xfrm>
+          <a:off x="0" y="0"/>
+          <a:ext cx="0" cy="0"/>
+          <a:chOff x="0" y="0"/>
+          <a:chExt cx="0" cy="0"/>
+        </a:xfrm>
+      </p:grpSpPr>
+      <p:sp>
+        <p:nvSpPr>
+          <p:cNvPr id="4" name="Rettangolo 3"/>
+          <p:cNvSpPr/>
+          <p:nvPr/>
+        </p:nvSpPr>
+        <p:spPr>
+          <a:xfrm>
+            <a:off x="0" y="0"/>
+            <a:ext cx="6064301" cy="6858000"/>
+          </a:xfrm>
+          <a:prstGeom prst="rect">
+            <a:avLst/>
+          </a:prstGeom>
+          <a:solidFill>
+            <a:schemeClr val="accent1">
+              <a:lumMod val="75000"/>
+            </a:schemeClr>
+          </a:solidFill>
+        </p:spPr>
+        <p:style>
+          <a:lnRef idx="2">
+            <a:schemeClr val="accent1">
+              <a:shade val="50000"/>
+            </a:schemeClr>
+          </a:lnRef>
+          <a:fillRef idx="1">
+            <a:schemeClr val="accent1"/>
+          </a:fillRef>
+          <a:effectRef idx="0">
+            <a:schemeClr val="accent1"/>
+          </a:effectRef>
+          <a:fontRef idx="minor">
+            <a:schemeClr val="lt1"/>
+          </a:fontRef>
+        </p:style>
+        <p:txBody>
+          <a:bodyPr rtlCol="0" anchor="ctr"/>
+          <a:lstStyle/>
+          <a:p>
+            <a:pPr algn="ctr"/>
+            <a:endParaRPr lang="it-IT"/>
+          </a:p>
+        </p:txBody>
+      </p:sp>
+      <p:pic>
+        <p:nvPicPr>
+          <p:cNvPr id="5" name="Immagine 4"/>
+          <p:cNvPicPr>
+            <a:picLocks noChangeAspect="1"/>
+          </p:cNvPicPr>
+          <p:nvPr/>
+        </p:nvPicPr>
+        <p:blipFill>
+          <a:blip r:embed="rId2">
+            <a:extLst>
+              <a:ext uri="{28A0092B-C50C-407E-A947-70E740481C1C}">
+                <a14:useLocalDpi xmlns:a14="http://schemas.microsoft.com/office/drawing/2010/main" val="0"/>
+              </a:ext>
+            </a:extLst>
+          </a:blip>
+          <a:stretch>
+            <a:fillRect/>
+          </a:stretch>
+        </p:blipFill>
+        <p:spPr>
+          <a:xfrm>
+            <a:off x="363544" y="1556309"/>
+            <a:ext cx="5502307" cy="3745382"/>
+          </a:xfrm>
+          <a:prstGeom prst="rect">
+            <a:avLst/>
+          </a:prstGeom>
+        </p:spPr>
+      </p:pic>
+      <p:sp>
+        <p:nvSpPr>
+          <p:cNvPr id="6" name="Rettangolo con angoli arrotondati 5"/>
+          <p:cNvSpPr/>
+          <p:nvPr/>
+        </p:nvSpPr>
+        <p:spPr>
+          <a:xfrm>
+            <a:off x="3350362" y="3288666"/>
+            <a:ext cx="1367942" cy="1192377"/>
+          </a:xfrm>
+          <a:prstGeom prst="roundRect">
+            <a:avLst/>
+          </a:prstGeom>
+          <a:noFill/>
+          <a:ln w="38100">
+            <a:solidFill>
+              <a:srgbClr val="FF0000"/>
+            </a:solidFill>
+          </a:ln>
+        </p:spPr>
+        <p:style>
+          <a:lnRef idx="2">
+            <a:schemeClr val="accent1">
+              <a:shade val="50000"/>
+            </a:schemeClr>
+          </a:lnRef>
+          <a:fillRef idx="1">
+            <a:schemeClr val="accent1"/>
+          </a:fillRef>
+          <a:effectRef idx="0">
+            <a:schemeClr val="accent1"/>
+          </a:effectRef>
+          <a:fontRef idx="minor">
+            <a:schemeClr val="lt1"/>
+          </a:fontRef>
+        </p:style>
+        <p:txBody>
+          <a:bodyPr rtlCol="0" anchor="ctr"/>
+          <a:lstStyle/>
+          <a:p>
+            <a:pPr algn="ctr"/>
+            <a:endParaRPr lang="it-IT"/>
+          </a:p>
+        </p:txBody>
+      </p:sp>
+      <p:sp>
+        <p:nvSpPr>
+          <p:cNvPr id="11" name="Segnaposto contenuto 2"/>
+          <p:cNvSpPr>
+            <a:spLocks noGrp="1"/>
+          </p:cNvSpPr>
+          <p:nvPr>
+            <p:ph idx="1"/>
+          </p:nvPr>
+        </p:nvSpPr>
+        <p:spPr>
+          <a:xfrm>
+            <a:off x="6625355" y="3069448"/>
+            <a:ext cx="5135880" cy="939519"/>
+          </a:xfrm>
+        </p:spPr>
+        <p:txBody>
+          <a:bodyPr>
+            <a:normAutofit/>
+          </a:bodyPr>
+          <a:lstStyle/>
+          <a:p>
+            <a:pPr marL="0" indent="0" algn="ctr">
+              <a:buNone/>
+            </a:pPr>
+            <a:r>
+              <a:rPr lang="it-IT" dirty="0"/>
+              <a:t>Verifica dei documenti prodotti</a:t>
+            </a:r>
+          </a:p>
+        </p:txBody>
+      </p:sp>
+      <p:sp>
+        <p:nvSpPr>
+          <p:cNvPr id="12" name="CasellaDiTesto 11"/>
+          <p:cNvSpPr txBox="1"/>
+          <p:nvPr/>
+        </p:nvSpPr>
+        <p:spPr>
+          <a:xfrm>
+            <a:off x="8341940" y="2238451"/>
+            <a:ext cx="1702710" cy="830997"/>
+          </a:xfrm>
+          <a:prstGeom prst="rect">
+            <a:avLst/>
+          </a:prstGeom>
+          <a:noFill/>
+        </p:spPr>
+        <p:txBody>
+          <a:bodyPr wrap="none" rtlCol="0">
+            <a:spAutoFit/>
+          </a:bodyPr>
+          <a:lstStyle/>
+          <a:p>
+            <a:r>
+              <a:rPr lang="it-IT" sz="4800" b="1" dirty="0">
+                <a:solidFill>
+                  <a:srgbClr val="993300"/>
+                </a:solidFill>
+              </a:rPr>
+              <a:t>C</a:t>
+            </a:r>
+            <a:r>
+              <a:rPr lang="it-IT" sz="4800" dirty="0">
+                <a:solidFill>
+                  <a:srgbClr val="993300"/>
+                </a:solidFill>
+              </a:rPr>
+              <a:t>heck</a:t>
+            </a:r>
+          </a:p>
+        </p:txBody>
+      </p:sp>
+      <p:sp>
+        <p:nvSpPr>
+          <p:cNvPr id="8" name="CasellaDiTesto 7"/>
+          <p:cNvSpPr txBox="1"/>
+          <p:nvPr/>
+        </p:nvSpPr>
+        <p:spPr>
+          <a:xfrm>
+            <a:off x="9433778" y="6367898"/>
+            <a:ext cx="2646079" cy="369332"/>
+          </a:xfrm>
+          <a:prstGeom prst="rect">
+            <a:avLst/>
+          </a:prstGeom>
+          <a:noFill/>
+        </p:spPr>
+        <p:txBody>
+          <a:bodyPr wrap="square" rtlCol="0">
+            <a:spAutoFit/>
+          </a:bodyPr>
+          <a:lstStyle/>
+          <a:p>
+            <a:pPr algn="r"/>
+            <a:r>
+              <a:rPr lang="it-IT" dirty="0"/>
+              <a:t>Piano di Qualifica - ?? / ??</a:t>
+            </a:r>
+          </a:p>
+        </p:txBody>
+      </p:sp>
+    </p:spTree>
+    <p:extLst>
+      <p:ext uri="{BB962C8B-B14F-4D97-AF65-F5344CB8AC3E}">
+        <p14:creationId xmlns:p14="http://schemas.microsoft.com/office/powerpoint/2010/main" val="2020944564"/>
+      </p:ext>
+    </p:extLst>
+  </p:cSld>
+  <p:clrMapOvr>
+    <a:masterClrMapping/>
+  </p:clrMapOvr>
+</p:sld>
+</file>
+
+<file path=ppt/slides/slide14.xml><?xml version="1.0" encoding="utf-8"?>
+<p:sld xmlns:a="http://schemas.openxmlformats.org/drawingml/2006/main" xmlns:r="http://schemas.openxmlformats.org/officeDocument/2006/relationships" xmlns:p="http://schemas.openxmlformats.org/presentationml/2006/main">
+  <p:cSld>
+    <p:spTree>
+      <p:nvGrpSpPr>
+        <p:cNvPr id="1" name=""/>
+        <p:cNvGrpSpPr/>
+        <p:nvPr/>
+      </p:nvGrpSpPr>
+      <p:grpSpPr>
+        <a:xfrm>
+          <a:off x="0" y="0"/>
+          <a:ext cx="0" cy="0"/>
+          <a:chOff x="0" y="0"/>
+          <a:chExt cx="0" cy="0"/>
+        </a:xfrm>
+      </p:grpSpPr>
+      <p:sp>
+        <p:nvSpPr>
+          <p:cNvPr id="6" name="Rettangolo 5"/>
+          <p:cNvSpPr/>
+          <p:nvPr/>
+        </p:nvSpPr>
+        <p:spPr>
+          <a:xfrm>
+            <a:off x="0" y="0"/>
+            <a:ext cx="6064301" cy="6858000"/>
+          </a:xfrm>
+          <a:prstGeom prst="rect">
+            <a:avLst/>
+          </a:prstGeom>
+          <a:solidFill>
+            <a:schemeClr val="accent1">
+              <a:lumMod val="75000"/>
+            </a:schemeClr>
+          </a:solidFill>
+        </p:spPr>
+        <p:style>
+          <a:lnRef idx="2">
+            <a:schemeClr val="accent1">
+              <a:shade val="50000"/>
+            </a:schemeClr>
+          </a:lnRef>
+          <a:fillRef idx="1">
+            <a:schemeClr val="accent1"/>
+          </a:fillRef>
+          <a:effectRef idx="0">
+            <a:schemeClr val="accent1"/>
+          </a:effectRef>
+          <a:fontRef idx="minor">
+            <a:schemeClr val="lt1"/>
+          </a:fontRef>
+        </p:style>
+        <p:txBody>
+          <a:bodyPr rtlCol="0" anchor="ctr"/>
+          <a:lstStyle/>
+          <a:p>
+            <a:pPr algn="ctr"/>
+            <a:endParaRPr lang="it-IT"/>
+          </a:p>
+        </p:txBody>
+      </p:sp>
+      <p:pic>
+        <p:nvPicPr>
+          <p:cNvPr id="7" name="Immagine 6"/>
+          <p:cNvPicPr>
+            <a:picLocks noChangeAspect="1"/>
+          </p:cNvPicPr>
+          <p:nvPr/>
+        </p:nvPicPr>
+        <p:blipFill>
+          <a:blip r:embed="rId2">
+            <a:extLst>
+              <a:ext uri="{28A0092B-C50C-407E-A947-70E740481C1C}">
+                <a14:useLocalDpi xmlns:a14="http://schemas.microsoft.com/office/drawing/2010/main" val="0"/>
+              </a:ext>
+            </a:extLst>
+          </a:blip>
+          <a:stretch>
+            <a:fillRect/>
+          </a:stretch>
+        </p:blipFill>
+        <p:spPr>
+          <a:xfrm>
+            <a:off x="363544" y="1556309"/>
+            <a:ext cx="5502307" cy="3745382"/>
+          </a:xfrm>
+          <a:prstGeom prst="rect">
+            <a:avLst/>
+          </a:prstGeom>
+        </p:spPr>
+      </p:pic>
+      <p:sp>
+        <p:nvSpPr>
+          <p:cNvPr id="8" name="Rettangolo con angoli arrotondati 7"/>
+          <p:cNvSpPr/>
+          <p:nvPr/>
+        </p:nvSpPr>
+        <p:spPr>
+          <a:xfrm>
+            <a:off x="555791" y="3329762"/>
+            <a:ext cx="1367942" cy="1192377"/>
+          </a:xfrm>
+          <a:prstGeom prst="roundRect">
+            <a:avLst/>
+          </a:prstGeom>
+          <a:noFill/>
+          <a:ln w="38100">
+            <a:solidFill>
+              <a:srgbClr val="FF0000"/>
+            </a:solidFill>
+          </a:ln>
+        </p:spPr>
+        <p:style>
+          <a:lnRef idx="2">
+            <a:schemeClr val="accent1">
+              <a:shade val="50000"/>
+            </a:schemeClr>
+          </a:lnRef>
+          <a:fillRef idx="1">
+            <a:schemeClr val="accent1"/>
+          </a:fillRef>
+          <a:effectRef idx="0">
+            <a:schemeClr val="accent1"/>
+          </a:effectRef>
+          <a:fontRef idx="minor">
+            <a:schemeClr val="lt1"/>
+          </a:fontRef>
+        </p:style>
+        <p:txBody>
+          <a:bodyPr rtlCol="0" anchor="ctr"/>
+          <a:lstStyle/>
+          <a:p>
+            <a:pPr algn="ctr"/>
+            <a:endParaRPr lang="it-IT"/>
+          </a:p>
+        </p:txBody>
+      </p:sp>
+      <p:sp>
+        <p:nvSpPr>
+          <p:cNvPr id="9" name="Segnaposto contenuto 2"/>
+          <p:cNvSpPr>
+            <a:spLocks noGrp="1"/>
+          </p:cNvSpPr>
+          <p:nvPr>
+            <p:ph idx="1"/>
+          </p:nvPr>
+        </p:nvSpPr>
+        <p:spPr>
+          <a:xfrm>
+            <a:off x="6625355" y="3069448"/>
+            <a:ext cx="5135880" cy="939519"/>
+          </a:xfrm>
+        </p:spPr>
+        <p:txBody>
+          <a:bodyPr>
+            <a:normAutofit/>
+          </a:bodyPr>
+          <a:lstStyle/>
+          <a:p>
+            <a:pPr marL="0" indent="0" algn="ctr">
+              <a:buNone/>
+            </a:pPr>
+            <a:r>
+              <a:rPr lang="it-IT" dirty="0"/>
+              <a:t>Analisi del risultato di verifica</a:t>
+            </a:r>
+          </a:p>
+        </p:txBody>
+      </p:sp>
+      <p:sp>
+        <p:nvSpPr>
+          <p:cNvPr id="10" name="CasellaDiTesto 9"/>
+          <p:cNvSpPr txBox="1"/>
+          <p:nvPr/>
+        </p:nvSpPr>
+        <p:spPr>
+          <a:xfrm>
+            <a:off x="8680975" y="2238451"/>
+            <a:ext cx="1024639" cy="830997"/>
+          </a:xfrm>
+          <a:prstGeom prst="rect">
+            <a:avLst/>
+          </a:prstGeom>
+          <a:noFill/>
+        </p:spPr>
+        <p:txBody>
+          <a:bodyPr wrap="none" rtlCol="0">
+            <a:spAutoFit/>
+          </a:bodyPr>
+          <a:lstStyle/>
+          <a:p>
+            <a:r>
+              <a:rPr lang="it-IT" sz="4800" b="1" dirty="0">
+                <a:solidFill>
+                  <a:schemeClr val="accent6"/>
+                </a:solidFill>
+              </a:rPr>
+              <a:t>A</a:t>
+            </a:r>
+            <a:r>
+              <a:rPr lang="it-IT" sz="4800" dirty="0">
+                <a:solidFill>
+                  <a:schemeClr val="accent6"/>
+                </a:solidFill>
+              </a:rPr>
+              <a:t>ct</a:t>
+            </a:r>
+          </a:p>
+        </p:txBody>
+      </p:sp>
+      <p:sp>
+        <p:nvSpPr>
+          <p:cNvPr id="12" name="CasellaDiTesto 11"/>
+          <p:cNvSpPr txBox="1"/>
+          <p:nvPr/>
+        </p:nvSpPr>
+        <p:spPr>
+          <a:xfrm>
+            <a:off x="9433778" y="6367898"/>
+            <a:ext cx="2646079" cy="369332"/>
+          </a:xfrm>
+          <a:prstGeom prst="rect">
+            <a:avLst/>
+          </a:prstGeom>
+          <a:noFill/>
+        </p:spPr>
+        <p:txBody>
+          <a:bodyPr wrap="square" rtlCol="0">
+            <a:spAutoFit/>
+          </a:bodyPr>
+          <a:lstStyle/>
+          <a:p>
+            <a:pPr algn="r"/>
+            <a:r>
+              <a:rPr lang="it-IT" dirty="0"/>
+              <a:t>Piano di Qualifica - ?? / ??</a:t>
+            </a:r>
+          </a:p>
+        </p:txBody>
+      </p:sp>
+    </p:spTree>
+    <p:extLst>
+      <p:ext uri="{BB962C8B-B14F-4D97-AF65-F5344CB8AC3E}">
+        <p14:creationId xmlns:p14="http://schemas.microsoft.com/office/powerpoint/2010/main" val="1171311652"/>
+      </p:ext>
+    </p:extLst>
+  </p:cSld>
+  <p:clrMapOvr>
+    <a:masterClrMapping/>
+  </p:clrMapOvr>
+</p:sld>
+</file>
+
+<file path=ppt/slides/slide15.xml><?xml version="1.0" encoding="utf-8"?>
+<p:sld xmlns:a="http://schemas.openxmlformats.org/drawingml/2006/main" xmlns:r="http://schemas.openxmlformats.org/officeDocument/2006/relationships" xmlns:p="http://schemas.openxmlformats.org/presentationml/2006/main">
+  <p:cSld>
+    <p:spTree>
+      <p:nvGrpSpPr>
+        <p:cNvPr id="1" name=""/>
+        <p:cNvGrpSpPr/>
+        <p:nvPr/>
+      </p:nvGrpSpPr>
+      <p:grpSpPr>
+        <a:xfrm>
+          <a:off x="0" y="0"/>
+          <a:ext cx="0" cy="0"/>
+          <a:chOff x="0" y="0"/>
+          <a:chExt cx="0" cy="0"/>
+        </a:xfrm>
+      </p:grpSpPr>
+      <p:sp>
+        <p:nvSpPr>
+          <p:cNvPr id="22" name="Rettangolo 21"/>
+          <p:cNvSpPr/>
+          <p:nvPr/>
+        </p:nvSpPr>
+        <p:spPr>
+          <a:xfrm>
+            <a:off x="0" y="4141"/>
+            <a:ext cx="12192000" cy="1377600"/>
+          </a:xfrm>
+          <a:prstGeom prst="rect">
+            <a:avLst/>
+          </a:prstGeom>
+          <a:solidFill>
+            <a:schemeClr val="accent1">
+              <a:lumMod val="75000"/>
+            </a:schemeClr>
+          </a:solidFill>
+        </p:spPr>
+        <p:style>
+          <a:lnRef idx="2">
+            <a:schemeClr val="accent1">
+              <a:shade val="50000"/>
+            </a:schemeClr>
+          </a:lnRef>
+          <a:fillRef idx="1">
+            <a:schemeClr val="accent1"/>
+          </a:fillRef>
+          <a:effectRef idx="0">
+            <a:schemeClr val="accent1"/>
+          </a:effectRef>
+          <a:fontRef idx="minor">
+            <a:schemeClr val="lt1"/>
+          </a:fontRef>
+        </p:style>
+        <p:txBody>
+          <a:bodyPr rtlCol="0" anchor="ctr"/>
+          <a:lstStyle/>
+          <a:p>
+            <a:pPr algn="ctr"/>
+            <a:r>
+              <a:rPr lang="it-IT" sz="4400" dirty="0">
+                <a:latin typeface="+mj-lt"/>
+              </a:rPr>
+              <a:t>Qualità di prodotto</a:t>
+            </a:r>
+          </a:p>
+        </p:txBody>
+      </p:sp>
+      <p:sp>
+        <p:nvSpPr>
+          <p:cNvPr id="6" name="CasellaDiTesto 5"/>
+          <p:cNvSpPr txBox="1"/>
+          <p:nvPr/>
+        </p:nvSpPr>
+        <p:spPr>
+          <a:xfrm>
+            <a:off x="3669043" y="1700662"/>
+            <a:ext cx="4853907" cy="369332"/>
+          </a:xfrm>
+          <a:prstGeom prst="rect">
+            <a:avLst/>
+          </a:prstGeom>
+          <a:noFill/>
+        </p:spPr>
+        <p:txBody>
+          <a:bodyPr wrap="square" rtlCol="0">
+            <a:spAutoFit/>
+          </a:bodyPr>
+          <a:lstStyle/>
+          <a:p>
+            <a:pPr algn="ctr"/>
+            <a:r>
+              <a:rPr lang="it-IT" dirty="0"/>
+              <a:t>Presa come riferimento la normativa ISO/IEC 9126</a:t>
+            </a:r>
+          </a:p>
+        </p:txBody>
+      </p:sp>
+      <p:sp>
+        <p:nvSpPr>
+          <p:cNvPr id="24" name="CasellaDiTesto 23"/>
+          <p:cNvSpPr txBox="1"/>
+          <p:nvPr/>
+        </p:nvSpPr>
+        <p:spPr>
+          <a:xfrm>
+            <a:off x="9433778" y="6367898"/>
+            <a:ext cx="2646079" cy="369332"/>
+          </a:xfrm>
+          <a:prstGeom prst="rect">
+            <a:avLst/>
+          </a:prstGeom>
+          <a:noFill/>
+        </p:spPr>
+        <p:txBody>
+          <a:bodyPr wrap="square" rtlCol="0">
+            <a:spAutoFit/>
+          </a:bodyPr>
+          <a:lstStyle/>
+          <a:p>
+            <a:pPr algn="r"/>
+            <a:r>
+              <a:rPr lang="it-IT" dirty="0"/>
+              <a:t>Piano di Qualifica - ?? / ??</a:t>
+            </a:r>
+          </a:p>
+        </p:txBody>
+      </p:sp>
+      <p:pic>
+        <p:nvPicPr>
+          <p:cNvPr id="4" name="Immagine 3"/>
+          <p:cNvPicPr>
+            <a:picLocks noChangeAspect="1"/>
+          </p:cNvPicPr>
+          <p:nvPr/>
+        </p:nvPicPr>
+        <p:blipFill>
+          <a:blip r:embed="rId2">
+            <a:extLst>
+              <a:ext uri="{28A0092B-C50C-407E-A947-70E740481C1C}">
+                <a14:useLocalDpi xmlns:a14="http://schemas.microsoft.com/office/drawing/2010/main" val="0"/>
+              </a:ext>
+            </a:extLst>
+          </a:blip>
+          <a:stretch>
+            <a:fillRect/>
+          </a:stretch>
+        </p:blipFill>
+        <p:spPr>
+          <a:xfrm>
+            <a:off x="1502508" y="2170630"/>
+            <a:ext cx="9186976" cy="4101608"/>
+          </a:xfrm>
+          <a:prstGeom prst="rect">
+            <a:avLst/>
+          </a:prstGeom>
+        </p:spPr>
+      </p:pic>
+    </p:spTree>
+    <p:extLst>
+      <p:ext uri="{BB962C8B-B14F-4D97-AF65-F5344CB8AC3E}">
+        <p14:creationId xmlns:p14="http://schemas.microsoft.com/office/powerpoint/2010/main" val="798969204"/>
+      </p:ext>
+    </p:extLst>
+  </p:cSld>
+  <p:clrMapOvr>
+    <a:masterClrMapping/>
+  </p:clrMapOvr>
+</p:sld>
+</file>
+
+<file path=ppt/slides/slide16.xml><?xml version="1.0" encoding="utf-8"?>
+<p:sld xmlns:a="http://schemas.openxmlformats.org/drawingml/2006/main" xmlns:r="http://schemas.openxmlformats.org/officeDocument/2006/relationships" xmlns:p="http://schemas.openxmlformats.org/presentationml/2006/main">
+  <p:cSld>
+    <p:spTree>
+      <p:nvGrpSpPr>
+        <p:cNvPr id="1" name=""/>
+        <p:cNvGrpSpPr/>
+        <p:nvPr/>
+      </p:nvGrpSpPr>
+      <p:grpSpPr>
+        <a:xfrm>
+          <a:off x="0" y="0"/>
+          <a:ext cx="0" cy="0"/>
+          <a:chOff x="0" y="0"/>
+          <a:chExt cx="0" cy="0"/>
+        </a:xfrm>
+      </p:grpSpPr>
+      <p:sp>
+        <p:nvSpPr>
+          <p:cNvPr id="8" name="Rettangolo 7"/>
+          <p:cNvSpPr/>
+          <p:nvPr/>
+        </p:nvSpPr>
+        <p:spPr>
+          <a:xfrm>
+            <a:off x="0" y="4141"/>
+            <a:ext cx="12192000" cy="1377600"/>
+          </a:xfrm>
+          <a:prstGeom prst="rect">
+            <a:avLst/>
+          </a:prstGeom>
+          <a:solidFill>
+            <a:schemeClr val="accent1">
+              <a:lumMod val="75000"/>
+            </a:schemeClr>
+          </a:solidFill>
+        </p:spPr>
+        <p:style>
+          <a:lnRef idx="2">
+            <a:schemeClr val="accent1">
+              <a:shade val="50000"/>
+            </a:schemeClr>
+          </a:lnRef>
+          <a:fillRef idx="1">
+            <a:schemeClr val="accent1"/>
+          </a:fillRef>
+          <a:effectRef idx="0">
+            <a:schemeClr val="accent1"/>
+          </a:effectRef>
+          <a:fontRef idx="minor">
+            <a:schemeClr val="lt1"/>
+          </a:fontRef>
+        </p:style>
+        <p:txBody>
+          <a:bodyPr rtlCol="0" anchor="ctr"/>
+          <a:lstStyle/>
+          <a:p>
+            <a:pPr algn="ctr"/>
+            <a:r>
+              <a:rPr lang="it-IT" sz="4400" dirty="0">
+                <a:latin typeface="+mj-lt"/>
+              </a:rPr>
+              <a:t>Resoconto delle attività di verifica dei documenti</a:t>
+            </a:r>
+          </a:p>
+        </p:txBody>
+      </p:sp>
+      <p:sp>
+        <p:nvSpPr>
+          <p:cNvPr id="10" name="Segnaposto contenuto 2"/>
+          <p:cNvSpPr>
+            <a:spLocks noGrp="1"/>
+          </p:cNvSpPr>
+          <p:nvPr>
+            <p:ph idx="1"/>
+          </p:nvPr>
+        </p:nvSpPr>
+        <p:spPr>
+          <a:xfrm>
+            <a:off x="3951796" y="1845156"/>
+            <a:ext cx="4288406" cy="632282"/>
+          </a:xfrm>
+        </p:spPr>
+        <p:txBody>
+          <a:bodyPr>
+            <a:normAutofit fontScale="70000" lnSpcReduction="20000"/>
+          </a:bodyPr>
+          <a:lstStyle/>
+          <a:p>
+            <a:pPr marL="0" indent="0" algn="ctr">
+              <a:buNone/>
+            </a:pPr>
+            <a:r>
+              <a:rPr lang="it-IT" sz="3600" dirty="0"/>
+              <a:t>Indice di leggibilità - </a:t>
+            </a:r>
+            <a:r>
+              <a:rPr lang="it-IT" sz="3600" dirty="0" err="1"/>
+              <a:t>Gulpease</a:t>
+            </a:r>
+            <a:endParaRPr lang="it-IT" dirty="0"/>
+          </a:p>
+        </p:txBody>
+      </p:sp>
+      <p:pic>
+        <p:nvPicPr>
+          <p:cNvPr id="3" name="Immagine 2"/>
+          <p:cNvPicPr>
+            <a:picLocks noChangeAspect="1"/>
+          </p:cNvPicPr>
+          <p:nvPr/>
+        </p:nvPicPr>
+        <p:blipFill>
+          <a:blip r:embed="rId2">
+            <a:extLst>
+              <a:ext uri="{28A0092B-C50C-407E-A947-70E740481C1C}">
+                <a14:useLocalDpi xmlns:a14="http://schemas.microsoft.com/office/drawing/2010/main" val="0"/>
+              </a:ext>
+            </a:extLst>
+          </a:blip>
+          <a:stretch>
+            <a:fillRect/>
+          </a:stretch>
+        </p:blipFill>
+        <p:spPr>
+          <a:xfrm>
+            <a:off x="2645108" y="2503457"/>
+            <a:ext cx="6901783" cy="3661633"/>
+          </a:xfrm>
+          <a:prstGeom prst="rect">
+            <a:avLst/>
+          </a:prstGeom>
+        </p:spPr>
+      </p:pic>
+      <p:sp>
+        <p:nvSpPr>
+          <p:cNvPr id="11" name="CasellaDiTesto 10"/>
+          <p:cNvSpPr txBox="1"/>
+          <p:nvPr/>
+        </p:nvSpPr>
+        <p:spPr>
+          <a:xfrm>
+            <a:off x="9433778" y="6367898"/>
+            <a:ext cx="2646079" cy="369332"/>
+          </a:xfrm>
+          <a:prstGeom prst="rect">
+            <a:avLst/>
+          </a:prstGeom>
+          <a:noFill/>
+        </p:spPr>
+        <p:txBody>
+          <a:bodyPr wrap="square" rtlCol="0">
+            <a:spAutoFit/>
+          </a:bodyPr>
+          <a:lstStyle/>
+          <a:p>
+            <a:pPr algn="r"/>
+            <a:r>
+              <a:rPr lang="it-IT" dirty="0"/>
+              <a:t>Piano di Qualifica - ?? / ??</a:t>
+            </a:r>
+          </a:p>
+        </p:txBody>
+      </p:sp>
+    </p:spTree>
+    <p:extLst>
+      <p:ext uri="{BB962C8B-B14F-4D97-AF65-F5344CB8AC3E}">
+        <p14:creationId xmlns:p14="http://schemas.microsoft.com/office/powerpoint/2010/main" val="704610456"/>
       </p:ext>
     </p:extLst>
   </p:cSld>
@@ -3165,77 +5470,17 @@
           <a:p>
             <a:pPr algn="ctr"/>
             <a:r>
-              <a:rPr lang="it-IT" sz="4400" dirty="0">
-                <a:latin typeface="+mj-lt"/>
+              <a:rPr lang="it-IT" sz="4400" dirty="0" err="1">
+                <a:latin typeface="Helvetica LT Std" panose="020B0504020202020204" pitchFamily="34" charset="0"/>
               </a:rPr>
-              <a:t>Qualità di processo</a:t>
-            </a:r>
-          </a:p>
-        </p:txBody>
-      </p:sp>
-      <p:sp>
-        <p:nvSpPr>
-          <p:cNvPr id="3" name="Segnaposto contenuto 2"/>
-          <p:cNvSpPr>
-            <a:spLocks noGrp="1"/>
-          </p:cNvSpPr>
-          <p:nvPr>
-            <p:ph idx="1"/>
-          </p:nvPr>
-        </p:nvSpPr>
-        <p:spPr>
-          <a:xfrm>
-            <a:off x="1126213" y="1718376"/>
-            <a:ext cx="3316834" cy="632282"/>
-          </a:xfrm>
-        </p:spPr>
-        <p:txBody>
-          <a:bodyPr>
-            <a:normAutofit/>
-          </a:bodyPr>
-          <a:lstStyle/>
-          <a:p>
-            <a:pPr marL="0" indent="0" algn="ctr">
-              <a:buNone/>
-            </a:pPr>
-            <a:r>
-              <a:rPr lang="it-IT" sz="3600" dirty="0"/>
-              <a:t>Ciclo di Deming</a:t>
-            </a:r>
-            <a:endParaRPr lang="it-IT" dirty="0"/>
-          </a:p>
-        </p:txBody>
-      </p:sp>
-      <p:pic>
-        <p:nvPicPr>
-          <p:cNvPr id="9" name="Immagine 8"/>
-          <p:cNvPicPr>
-            <a:picLocks noChangeAspect="1"/>
-          </p:cNvPicPr>
-          <p:nvPr/>
-        </p:nvPicPr>
-        <p:blipFill>
-          <a:blip r:embed="rId2">
-            <a:extLst>
-              <a:ext uri="{28A0092B-C50C-407E-A947-70E740481C1C}">
-                <a14:useLocalDpi xmlns:a14="http://schemas.microsoft.com/office/drawing/2010/main" val="0"/>
-              </a:ext>
-            </a:extLst>
-          </a:blip>
-          <a:stretch>
-            <a:fillRect/>
-          </a:stretch>
-        </p:blipFill>
-        <p:spPr>
-          <a:xfrm>
-            <a:off x="606480" y="2752723"/>
-            <a:ext cx="4546066" cy="3094475"/>
-          </a:xfrm>
-          <a:prstGeom prst="rect">
-            <a:avLst/>
-          </a:prstGeom>
-        </p:spPr>
-      </p:pic>
+              <a:t>SWEDesigner</a:t>
+            </a:r>
+            <a:endParaRPr lang="it-IT" sz="4400" dirty="0">
+              <a:latin typeface="Helvetica LT Std" panose="020B0504020202020204" pitchFamily="34" charset="0"/>
+            </a:endParaRPr>
+          </a:p>
+        </p:txBody>
+      </p:sp>
       <p:sp>
         <p:nvSpPr>
           <p:cNvPr id="5" name="CasellaDiTesto 4"/>
@@ -3266,877 +5511,10 @@
           </a:p>
         </p:txBody>
       </p:sp>
-      <p:sp>
-        <p:nvSpPr>
-          <p:cNvPr id="7" name="CasellaDiTesto 6"/>
-          <p:cNvSpPr txBox="1"/>
-          <p:nvPr/>
-        </p:nvSpPr>
-        <p:spPr>
-          <a:xfrm>
-            <a:off x="6314556" y="1689808"/>
-            <a:ext cx="5141343" cy="646331"/>
-          </a:xfrm>
-          <a:prstGeom prst="rect">
-            <a:avLst/>
-          </a:prstGeom>
-          <a:noFill/>
-        </p:spPr>
-        <p:txBody>
-          <a:bodyPr wrap="square" rtlCol="0">
-            <a:spAutoFit/>
-          </a:bodyPr>
-          <a:lstStyle/>
-          <a:p>
-            <a:pPr algn="ctr"/>
-            <a:r>
-              <a:rPr lang="it-IT" sz="3600" dirty="0" err="1"/>
-              <a:t>Capability</a:t>
-            </a:r>
-            <a:r>
-              <a:rPr lang="it-IT" sz="3600" dirty="0"/>
-              <a:t> </a:t>
-            </a:r>
-            <a:r>
-              <a:rPr lang="it-IT" sz="3600" dirty="0" err="1"/>
-              <a:t>Maturity</a:t>
-            </a:r>
-            <a:r>
-              <a:rPr lang="it-IT" sz="3600" dirty="0"/>
-              <a:t> Model</a:t>
-            </a:r>
-          </a:p>
-        </p:txBody>
-      </p:sp>
-      <p:sp>
-        <p:nvSpPr>
-          <p:cNvPr id="8" name="Rettangolo 7"/>
-          <p:cNvSpPr/>
-          <p:nvPr/>
-        </p:nvSpPr>
-        <p:spPr>
-          <a:xfrm>
-            <a:off x="8175920" y="5093766"/>
-            <a:ext cx="1328468" cy="526211"/>
-          </a:xfrm>
-          <a:prstGeom prst="rect">
-            <a:avLst/>
-          </a:prstGeom>
-          <a:solidFill>
-            <a:srgbClr val="FF0000"/>
-          </a:solidFill>
-          <a:ln>
-            <a:solidFill>
-              <a:schemeClr val="tx1"/>
-            </a:solidFill>
-          </a:ln>
-        </p:spPr>
-        <p:style>
-          <a:lnRef idx="2">
-            <a:schemeClr val="accent1">
-              <a:shade val="50000"/>
-            </a:schemeClr>
-          </a:lnRef>
-          <a:fillRef idx="1">
-            <a:schemeClr val="accent1"/>
-          </a:fillRef>
-          <a:effectRef idx="0">
-            <a:schemeClr val="accent1"/>
-          </a:effectRef>
-          <a:fontRef idx="minor">
-            <a:schemeClr val="lt1"/>
-          </a:fontRef>
-        </p:style>
-        <p:txBody>
-          <a:bodyPr rtlCol="0" anchor="ctr"/>
-          <a:lstStyle/>
-          <a:p>
-            <a:pPr algn="ctr"/>
-            <a:r>
-              <a:rPr lang="it-IT" dirty="0" err="1"/>
-              <a:t>Initial</a:t>
-            </a:r>
-            <a:endParaRPr lang="it-IT" dirty="0"/>
-          </a:p>
-        </p:txBody>
-      </p:sp>
-      <p:sp>
-        <p:nvSpPr>
-          <p:cNvPr id="10" name="Rettangolo 9"/>
-          <p:cNvSpPr/>
-          <p:nvPr/>
-        </p:nvSpPr>
-        <p:spPr>
-          <a:xfrm>
-            <a:off x="8820671" y="4567555"/>
-            <a:ext cx="1362974" cy="526211"/>
-          </a:xfrm>
-          <a:prstGeom prst="rect">
-            <a:avLst/>
-          </a:prstGeom>
-          <a:solidFill>
-            <a:schemeClr val="accent2"/>
-          </a:solidFill>
-          <a:ln>
-            <a:solidFill>
-              <a:schemeClr val="tx1"/>
-            </a:solidFill>
-          </a:ln>
-        </p:spPr>
-        <p:style>
-          <a:lnRef idx="2">
-            <a:schemeClr val="accent1">
-              <a:shade val="50000"/>
-            </a:schemeClr>
-          </a:lnRef>
-          <a:fillRef idx="1">
-            <a:schemeClr val="accent1"/>
-          </a:fillRef>
-          <a:effectRef idx="0">
-            <a:schemeClr val="accent1"/>
-          </a:effectRef>
-          <a:fontRef idx="minor">
-            <a:schemeClr val="lt1"/>
-          </a:fontRef>
-        </p:style>
-        <p:txBody>
-          <a:bodyPr rtlCol="0" anchor="ctr"/>
-          <a:lstStyle/>
-          <a:p>
-            <a:pPr algn="ctr"/>
-            <a:r>
-              <a:rPr lang="it-IT" dirty="0" err="1"/>
-              <a:t>Repeatable</a:t>
-            </a:r>
-            <a:endParaRPr lang="it-IT" dirty="0"/>
-          </a:p>
-        </p:txBody>
-      </p:sp>
-      <p:sp>
-        <p:nvSpPr>
-          <p:cNvPr id="11" name="Rettangolo 10"/>
-          <p:cNvSpPr/>
-          <p:nvPr/>
-        </p:nvSpPr>
-        <p:spPr>
-          <a:xfrm>
-            <a:off x="9465422" y="4041344"/>
-            <a:ext cx="1362974" cy="526211"/>
-          </a:xfrm>
-          <a:prstGeom prst="rect">
-            <a:avLst/>
-          </a:prstGeom>
-          <a:solidFill>
-            <a:srgbClr val="FFC000"/>
-          </a:solidFill>
-          <a:ln>
-            <a:solidFill>
-              <a:schemeClr val="tx1"/>
-            </a:solidFill>
-          </a:ln>
-        </p:spPr>
-        <p:style>
-          <a:lnRef idx="2">
-            <a:schemeClr val="accent1">
-              <a:shade val="50000"/>
-            </a:schemeClr>
-          </a:lnRef>
-          <a:fillRef idx="1">
-            <a:schemeClr val="accent1"/>
-          </a:fillRef>
-          <a:effectRef idx="0">
-            <a:schemeClr val="accent1"/>
-          </a:effectRef>
-          <a:fontRef idx="minor">
-            <a:schemeClr val="lt1"/>
-          </a:fontRef>
-        </p:style>
-        <p:txBody>
-          <a:bodyPr rtlCol="0" anchor="ctr"/>
-          <a:lstStyle/>
-          <a:p>
-            <a:pPr algn="ctr"/>
-            <a:r>
-              <a:rPr lang="it-IT" dirty="0" err="1"/>
-              <a:t>Defined</a:t>
-            </a:r>
-            <a:endParaRPr lang="it-IT" dirty="0"/>
-          </a:p>
-        </p:txBody>
-      </p:sp>
-      <p:sp>
-        <p:nvSpPr>
-          <p:cNvPr id="12" name="Rettangolo 11"/>
-          <p:cNvSpPr/>
-          <p:nvPr/>
-        </p:nvSpPr>
-        <p:spPr>
-          <a:xfrm>
-            <a:off x="10072132" y="3509879"/>
-            <a:ext cx="1362974" cy="526211"/>
-          </a:xfrm>
-          <a:prstGeom prst="rect">
-            <a:avLst/>
-          </a:prstGeom>
-          <a:solidFill>
-            <a:srgbClr val="92D050"/>
-          </a:solidFill>
-          <a:ln>
-            <a:solidFill>
-              <a:schemeClr val="tx1"/>
-            </a:solidFill>
-          </a:ln>
-        </p:spPr>
-        <p:style>
-          <a:lnRef idx="2">
-            <a:schemeClr val="accent1">
-              <a:shade val="50000"/>
-            </a:schemeClr>
-          </a:lnRef>
-          <a:fillRef idx="1">
-            <a:schemeClr val="accent1"/>
-          </a:fillRef>
-          <a:effectRef idx="0">
-            <a:schemeClr val="accent1"/>
-          </a:effectRef>
-          <a:fontRef idx="minor">
-            <a:schemeClr val="lt1"/>
-          </a:fontRef>
-        </p:style>
-        <p:txBody>
-          <a:bodyPr rtlCol="0" anchor="ctr"/>
-          <a:lstStyle/>
-          <a:p>
-            <a:pPr algn="ctr"/>
-            <a:r>
-              <a:rPr lang="it-IT" dirty="0" err="1"/>
-              <a:t>Managed</a:t>
-            </a:r>
-            <a:endParaRPr lang="it-IT" dirty="0"/>
-          </a:p>
-        </p:txBody>
-      </p:sp>
-      <p:sp>
-        <p:nvSpPr>
-          <p:cNvPr id="13" name="Rettangolo 12"/>
-          <p:cNvSpPr/>
-          <p:nvPr/>
-        </p:nvSpPr>
-        <p:spPr>
-          <a:xfrm>
-            <a:off x="10716883" y="2983668"/>
-            <a:ext cx="1362974" cy="526211"/>
-          </a:xfrm>
-          <a:prstGeom prst="rect">
-            <a:avLst/>
-          </a:prstGeom>
-          <a:solidFill>
-            <a:srgbClr val="00B050"/>
-          </a:solidFill>
-          <a:ln>
-            <a:solidFill>
-              <a:schemeClr val="tx1"/>
-            </a:solidFill>
-          </a:ln>
-        </p:spPr>
-        <p:style>
-          <a:lnRef idx="2">
-            <a:schemeClr val="accent1">
-              <a:shade val="50000"/>
-            </a:schemeClr>
-          </a:lnRef>
-          <a:fillRef idx="1">
-            <a:schemeClr val="accent1"/>
-          </a:fillRef>
-          <a:effectRef idx="0">
-            <a:schemeClr val="accent1"/>
-          </a:effectRef>
-          <a:fontRef idx="minor">
-            <a:schemeClr val="lt1"/>
-          </a:fontRef>
-        </p:style>
-        <p:txBody>
-          <a:bodyPr rtlCol="0" anchor="ctr"/>
-          <a:lstStyle/>
-          <a:p>
-            <a:pPr algn="ctr"/>
-            <a:r>
-              <a:rPr lang="it-IT" dirty="0"/>
-              <a:t>Optimizing</a:t>
-            </a:r>
-          </a:p>
-        </p:txBody>
-      </p:sp>
-      <p:sp>
-        <p:nvSpPr>
-          <p:cNvPr id="14" name="CasellaDiTesto 13"/>
-          <p:cNvSpPr txBox="1"/>
-          <p:nvPr/>
-        </p:nvSpPr>
-        <p:spPr>
-          <a:xfrm>
-            <a:off x="5817702" y="5099748"/>
-            <a:ext cx="2358925" cy="523220"/>
-          </a:xfrm>
-          <a:prstGeom prst="rect">
-            <a:avLst/>
-          </a:prstGeom>
-          <a:noFill/>
-        </p:spPr>
-        <p:txBody>
-          <a:bodyPr wrap="square" rtlCol="0">
-            <a:spAutoFit/>
-          </a:bodyPr>
-          <a:lstStyle/>
-          <a:p>
-            <a:r>
-              <a:rPr lang="it-IT" sz="1400" dirty="0" err="1"/>
-              <a:t>Process</a:t>
-            </a:r>
-            <a:r>
-              <a:rPr lang="it-IT" sz="1400" dirty="0"/>
-              <a:t> </a:t>
-            </a:r>
-            <a:r>
-              <a:rPr lang="it-IT" sz="1400" dirty="0" err="1"/>
-              <a:t>unpredictable</a:t>
-            </a:r>
-            <a:r>
-              <a:rPr lang="it-IT" sz="1400" dirty="0"/>
-              <a:t>, </a:t>
-            </a:r>
-            <a:r>
-              <a:rPr lang="it-IT" sz="1400" dirty="0" err="1"/>
-              <a:t>poorly</a:t>
-            </a:r>
-            <a:r>
-              <a:rPr lang="it-IT" sz="1400" dirty="0"/>
-              <a:t> </a:t>
-            </a:r>
-            <a:r>
-              <a:rPr lang="it-IT" sz="1400" dirty="0" err="1"/>
-              <a:t>controlled</a:t>
-            </a:r>
-            <a:r>
-              <a:rPr lang="it-IT" sz="1400" dirty="0"/>
-              <a:t> and </a:t>
-            </a:r>
-            <a:r>
-              <a:rPr lang="it-IT" sz="1400" dirty="0" err="1"/>
-              <a:t>reactive</a:t>
-            </a:r>
-            <a:endParaRPr lang="it-IT" sz="1400" dirty="0"/>
-          </a:p>
-        </p:txBody>
-      </p:sp>
-      <p:sp>
-        <p:nvSpPr>
-          <p:cNvPr id="15" name="CasellaDiTesto 14"/>
-          <p:cNvSpPr txBox="1"/>
-          <p:nvPr/>
-        </p:nvSpPr>
-        <p:spPr>
-          <a:xfrm>
-            <a:off x="6497873" y="4579519"/>
-            <a:ext cx="2298743" cy="523220"/>
-          </a:xfrm>
-          <a:prstGeom prst="rect">
-            <a:avLst/>
-          </a:prstGeom>
-          <a:noFill/>
-        </p:spPr>
-        <p:txBody>
-          <a:bodyPr wrap="square" rtlCol="0">
-            <a:spAutoFit/>
-          </a:bodyPr>
-          <a:lstStyle/>
-          <a:p>
-            <a:r>
-              <a:rPr lang="it-IT" sz="1400" dirty="0" err="1"/>
-              <a:t>Process</a:t>
-            </a:r>
-            <a:r>
-              <a:rPr lang="it-IT" sz="1400" dirty="0"/>
-              <a:t> </a:t>
-            </a:r>
-            <a:r>
-              <a:rPr lang="it-IT" sz="1400" dirty="0" err="1"/>
-              <a:t>characterized</a:t>
-            </a:r>
-            <a:r>
-              <a:rPr lang="it-IT" sz="1400" dirty="0"/>
-              <a:t> for </a:t>
-            </a:r>
-            <a:r>
-              <a:rPr lang="it-IT" sz="1400" b="1" dirty="0" err="1"/>
-              <a:t>projects</a:t>
-            </a:r>
-            <a:r>
-              <a:rPr lang="it-IT" sz="1400" dirty="0"/>
-              <a:t> and </a:t>
-            </a:r>
-            <a:r>
-              <a:rPr lang="it-IT" sz="1400" dirty="0" err="1"/>
-              <a:t>is</a:t>
-            </a:r>
-            <a:r>
-              <a:rPr lang="it-IT" sz="1400" dirty="0"/>
-              <a:t> </a:t>
-            </a:r>
-            <a:r>
-              <a:rPr lang="it-IT" sz="1400" dirty="0" err="1"/>
-              <a:t>often</a:t>
-            </a:r>
-            <a:r>
-              <a:rPr lang="it-IT" sz="1400" dirty="0"/>
-              <a:t> </a:t>
-            </a:r>
-            <a:r>
-              <a:rPr lang="it-IT" sz="1400" dirty="0" err="1"/>
-              <a:t>reactive</a:t>
-            </a:r>
-            <a:endParaRPr lang="it-IT" sz="1400" dirty="0"/>
-          </a:p>
-        </p:txBody>
-      </p:sp>
-      <p:sp>
-        <p:nvSpPr>
-          <p:cNvPr id="16" name="CasellaDiTesto 15"/>
-          <p:cNvSpPr txBox="1"/>
-          <p:nvPr/>
-        </p:nvSpPr>
-        <p:spPr>
-          <a:xfrm>
-            <a:off x="7183882" y="4038353"/>
-            <a:ext cx="2281540" cy="523220"/>
-          </a:xfrm>
-          <a:prstGeom prst="rect">
-            <a:avLst/>
-          </a:prstGeom>
-          <a:noFill/>
-        </p:spPr>
-        <p:txBody>
-          <a:bodyPr wrap="square" rtlCol="0">
-            <a:spAutoFit/>
-          </a:bodyPr>
-          <a:lstStyle/>
-          <a:p>
-            <a:r>
-              <a:rPr lang="it-IT" sz="1400" dirty="0" err="1"/>
-              <a:t>Process</a:t>
-            </a:r>
-            <a:r>
-              <a:rPr lang="it-IT" sz="1400" dirty="0"/>
-              <a:t> </a:t>
-            </a:r>
-            <a:r>
-              <a:rPr lang="it-IT" sz="1400" dirty="0" err="1"/>
-              <a:t>characterized</a:t>
-            </a:r>
-            <a:r>
-              <a:rPr lang="it-IT" sz="1400" dirty="0"/>
-              <a:t> for the </a:t>
-            </a:r>
-            <a:r>
-              <a:rPr lang="it-IT" sz="1400" b="1" dirty="0" err="1"/>
-              <a:t>organization</a:t>
-            </a:r>
-            <a:r>
-              <a:rPr lang="it-IT" sz="1400" dirty="0"/>
-              <a:t> and </a:t>
-            </a:r>
-            <a:r>
-              <a:rPr lang="it-IT" sz="1400" dirty="0" err="1"/>
-              <a:t>is</a:t>
-            </a:r>
-            <a:r>
-              <a:rPr lang="it-IT" sz="1400" dirty="0"/>
-              <a:t> </a:t>
-            </a:r>
-            <a:r>
-              <a:rPr lang="it-IT" sz="1400" dirty="0" err="1"/>
-              <a:t>proactive</a:t>
-            </a:r>
-            <a:endParaRPr lang="it-IT" sz="1400" dirty="0"/>
-          </a:p>
-        </p:txBody>
-      </p:sp>
-      <p:sp>
-        <p:nvSpPr>
-          <p:cNvPr id="17" name="CasellaDiTesto 16"/>
-          <p:cNvSpPr txBox="1"/>
-          <p:nvPr/>
-        </p:nvSpPr>
-        <p:spPr>
-          <a:xfrm>
-            <a:off x="8528390" y="3518852"/>
-            <a:ext cx="1543742" cy="523220"/>
-          </a:xfrm>
-          <a:prstGeom prst="rect">
-            <a:avLst/>
-          </a:prstGeom>
-          <a:noFill/>
-        </p:spPr>
-        <p:txBody>
-          <a:bodyPr wrap="square" rtlCol="0">
-            <a:spAutoFit/>
-          </a:bodyPr>
-          <a:lstStyle/>
-          <a:p>
-            <a:r>
-              <a:rPr lang="it-IT" sz="1400" dirty="0" err="1"/>
-              <a:t>Process</a:t>
-            </a:r>
-            <a:r>
-              <a:rPr lang="it-IT" sz="1400" dirty="0"/>
-              <a:t> </a:t>
-            </a:r>
-            <a:r>
-              <a:rPr lang="it-IT" sz="1400" b="1" dirty="0" err="1"/>
-              <a:t>measured</a:t>
-            </a:r>
-            <a:r>
-              <a:rPr lang="it-IT" sz="1400" dirty="0"/>
-              <a:t> and </a:t>
-            </a:r>
-            <a:r>
-              <a:rPr lang="it-IT" sz="1400" dirty="0" err="1"/>
-              <a:t>controlled</a:t>
-            </a:r>
-            <a:endParaRPr lang="it-IT" sz="1400" dirty="0"/>
-          </a:p>
-        </p:txBody>
-      </p:sp>
-      <p:sp>
-        <p:nvSpPr>
-          <p:cNvPr id="18" name="CasellaDiTesto 17"/>
-          <p:cNvSpPr txBox="1"/>
-          <p:nvPr/>
-        </p:nvSpPr>
-        <p:spPr>
-          <a:xfrm>
-            <a:off x="9284551" y="2977686"/>
-            <a:ext cx="1427657" cy="523220"/>
-          </a:xfrm>
-          <a:prstGeom prst="rect">
-            <a:avLst/>
-          </a:prstGeom>
-          <a:noFill/>
-        </p:spPr>
-        <p:txBody>
-          <a:bodyPr wrap="square" rtlCol="0">
-            <a:spAutoFit/>
-          </a:bodyPr>
-          <a:lstStyle/>
-          <a:p>
-            <a:r>
-              <a:rPr lang="it-IT" sz="1400" dirty="0"/>
-              <a:t>Focus on </a:t>
-            </a:r>
-            <a:r>
-              <a:rPr lang="it-IT" sz="1400" dirty="0" err="1"/>
-              <a:t>process</a:t>
-            </a:r>
-            <a:r>
-              <a:rPr lang="it-IT" sz="1400" dirty="0"/>
-              <a:t> </a:t>
-            </a:r>
-            <a:r>
-              <a:rPr lang="it-IT" sz="1400" b="1" dirty="0" err="1"/>
-              <a:t>improvement</a:t>
-            </a:r>
-            <a:endParaRPr lang="it-IT" sz="1400" dirty="0"/>
-          </a:p>
-        </p:txBody>
-      </p:sp>
-      <p:sp>
-        <p:nvSpPr>
-          <p:cNvPr id="19" name="Rettangolo con angoli arrotondati 18"/>
-          <p:cNvSpPr/>
-          <p:nvPr/>
-        </p:nvSpPr>
-        <p:spPr>
-          <a:xfrm>
-            <a:off x="8898271" y="3012227"/>
-            <a:ext cx="354074" cy="445601"/>
-          </a:xfrm>
-          <a:prstGeom prst="roundRect">
-            <a:avLst/>
-          </a:prstGeom>
-          <a:solidFill>
-            <a:srgbClr val="00B050"/>
-          </a:solidFill>
-          <a:ln>
-            <a:solidFill>
-              <a:schemeClr val="tx1"/>
-            </a:solidFill>
-          </a:ln>
-        </p:spPr>
-        <p:style>
-          <a:lnRef idx="2">
-            <a:schemeClr val="accent1">
-              <a:shade val="50000"/>
-            </a:schemeClr>
-          </a:lnRef>
-          <a:fillRef idx="1">
-            <a:schemeClr val="accent1"/>
-          </a:fillRef>
-          <a:effectRef idx="0">
-            <a:schemeClr val="accent1"/>
-          </a:effectRef>
-          <a:fontRef idx="minor">
-            <a:schemeClr val="lt1"/>
-          </a:fontRef>
-        </p:style>
-        <p:txBody>
-          <a:bodyPr rtlCol="0" anchor="ctr"/>
-          <a:lstStyle/>
-          <a:p>
-            <a:pPr algn="ctr"/>
-            <a:r>
-              <a:rPr lang="it-IT" dirty="0"/>
-              <a:t>5</a:t>
-            </a:r>
-          </a:p>
-        </p:txBody>
-      </p:sp>
-      <p:sp>
-        <p:nvSpPr>
-          <p:cNvPr id="20" name="Rettangolo con angoli arrotondati 19"/>
-          <p:cNvSpPr/>
-          <p:nvPr/>
-        </p:nvSpPr>
-        <p:spPr>
-          <a:xfrm>
-            <a:off x="8147615" y="3549456"/>
-            <a:ext cx="354074" cy="445601"/>
-          </a:xfrm>
-          <a:prstGeom prst="roundRect">
-            <a:avLst/>
-          </a:prstGeom>
-          <a:solidFill>
-            <a:srgbClr val="92D050"/>
-          </a:solidFill>
-          <a:ln>
-            <a:solidFill>
-              <a:schemeClr val="tx1"/>
-            </a:solidFill>
-          </a:ln>
-        </p:spPr>
-        <p:style>
-          <a:lnRef idx="2">
-            <a:schemeClr val="accent1">
-              <a:shade val="50000"/>
-            </a:schemeClr>
-          </a:lnRef>
-          <a:fillRef idx="1">
-            <a:schemeClr val="accent1"/>
-          </a:fillRef>
-          <a:effectRef idx="0">
-            <a:schemeClr val="accent1"/>
-          </a:effectRef>
-          <a:fontRef idx="minor">
-            <a:schemeClr val="lt1"/>
-          </a:fontRef>
-        </p:style>
-        <p:txBody>
-          <a:bodyPr rtlCol="0" anchor="ctr"/>
-          <a:lstStyle/>
-          <a:p>
-            <a:pPr algn="ctr"/>
-            <a:r>
-              <a:rPr lang="it-IT" dirty="0"/>
-              <a:t>4</a:t>
-            </a:r>
-          </a:p>
-        </p:txBody>
-      </p:sp>
-      <p:sp>
-        <p:nvSpPr>
-          <p:cNvPr id="21" name="Rettangolo con angoli arrotondati 20"/>
-          <p:cNvSpPr/>
-          <p:nvPr/>
-        </p:nvSpPr>
-        <p:spPr>
-          <a:xfrm>
-            <a:off x="6777873" y="4077159"/>
-            <a:ext cx="354074" cy="445601"/>
-          </a:xfrm>
-          <a:prstGeom prst="roundRect">
-            <a:avLst/>
-          </a:prstGeom>
-          <a:solidFill>
-            <a:srgbClr val="FFC000"/>
-          </a:solidFill>
-          <a:ln>
-            <a:solidFill>
-              <a:schemeClr val="tx1"/>
-            </a:solidFill>
-          </a:ln>
-        </p:spPr>
-        <p:style>
-          <a:lnRef idx="2">
-            <a:schemeClr val="accent1">
-              <a:shade val="50000"/>
-            </a:schemeClr>
-          </a:lnRef>
-          <a:fillRef idx="1">
-            <a:schemeClr val="accent1"/>
-          </a:fillRef>
-          <a:effectRef idx="0">
-            <a:schemeClr val="accent1"/>
-          </a:effectRef>
-          <a:fontRef idx="minor">
-            <a:schemeClr val="lt1"/>
-          </a:fontRef>
-        </p:style>
-        <p:txBody>
-          <a:bodyPr rtlCol="0" anchor="ctr"/>
-          <a:lstStyle/>
-          <a:p>
-            <a:pPr algn="ctr"/>
-            <a:r>
-              <a:rPr lang="it-IT" dirty="0"/>
-              <a:t>3</a:t>
-            </a:r>
-          </a:p>
-        </p:txBody>
-      </p:sp>
-      <p:sp>
-        <p:nvSpPr>
-          <p:cNvPr id="22" name="Rettangolo con angoli arrotondati 21"/>
-          <p:cNvSpPr/>
-          <p:nvPr/>
-        </p:nvSpPr>
-        <p:spPr>
-          <a:xfrm>
-            <a:off x="6087143" y="4618328"/>
-            <a:ext cx="354074" cy="445601"/>
-          </a:xfrm>
-          <a:prstGeom prst="roundRect">
-            <a:avLst/>
-          </a:prstGeom>
-          <a:solidFill>
-            <a:schemeClr val="accent2"/>
-          </a:solidFill>
-          <a:ln>
-            <a:solidFill>
-              <a:schemeClr val="tx1"/>
-            </a:solidFill>
-          </a:ln>
-        </p:spPr>
-        <p:style>
-          <a:lnRef idx="2">
-            <a:schemeClr val="accent1">
-              <a:shade val="50000"/>
-            </a:schemeClr>
-          </a:lnRef>
-          <a:fillRef idx="1">
-            <a:schemeClr val="accent1"/>
-          </a:fillRef>
-          <a:effectRef idx="0">
-            <a:schemeClr val="accent1"/>
-          </a:effectRef>
-          <a:fontRef idx="minor">
-            <a:schemeClr val="lt1"/>
-          </a:fontRef>
-        </p:style>
-        <p:txBody>
-          <a:bodyPr rtlCol="0" anchor="ctr"/>
-          <a:lstStyle/>
-          <a:p>
-            <a:pPr algn="ctr"/>
-            <a:r>
-              <a:rPr lang="it-IT" dirty="0"/>
-              <a:t>2</a:t>
-            </a:r>
-          </a:p>
-        </p:txBody>
-      </p:sp>
-      <p:sp>
-        <p:nvSpPr>
-          <p:cNvPr id="23" name="Rettangolo con angoli arrotondati 22"/>
-          <p:cNvSpPr/>
-          <p:nvPr/>
-        </p:nvSpPr>
-        <p:spPr>
-          <a:xfrm>
-            <a:off x="5415783" y="5134070"/>
-            <a:ext cx="354074" cy="445601"/>
-          </a:xfrm>
-          <a:prstGeom prst="roundRect">
-            <a:avLst/>
-          </a:prstGeom>
-          <a:solidFill>
-            <a:srgbClr val="FF0000"/>
-          </a:solidFill>
-          <a:ln>
-            <a:solidFill>
-              <a:schemeClr val="tx1"/>
-            </a:solidFill>
-          </a:ln>
-        </p:spPr>
-        <p:style>
-          <a:lnRef idx="2">
-            <a:schemeClr val="accent1">
-              <a:shade val="50000"/>
-            </a:schemeClr>
-          </a:lnRef>
-          <a:fillRef idx="1">
-            <a:schemeClr val="accent1"/>
-          </a:fillRef>
-          <a:effectRef idx="0">
-            <a:schemeClr val="accent1"/>
-          </a:effectRef>
-          <a:fontRef idx="minor">
-            <a:schemeClr val="lt1"/>
-          </a:fontRef>
-        </p:style>
-        <p:txBody>
-          <a:bodyPr rtlCol="0" anchor="ctr"/>
-          <a:lstStyle/>
-          <a:p>
-            <a:pPr algn="ctr"/>
-            <a:r>
-              <a:rPr lang="it-IT" dirty="0"/>
-              <a:t>1</a:t>
-            </a:r>
-          </a:p>
-        </p:txBody>
-      </p:sp>
-      <p:sp>
-        <p:nvSpPr>
-          <p:cNvPr id="24" name="CasellaDiTesto 23"/>
-          <p:cNvSpPr txBox="1"/>
-          <p:nvPr/>
-        </p:nvSpPr>
-        <p:spPr>
-          <a:xfrm>
-            <a:off x="5204167" y="1355492"/>
-            <a:ext cx="777305" cy="1323439"/>
-          </a:xfrm>
-          <a:prstGeom prst="rect">
-            <a:avLst/>
-          </a:prstGeom>
-          <a:noFill/>
-        </p:spPr>
-        <p:txBody>
-          <a:bodyPr wrap="square" rtlCol="0">
-            <a:spAutoFit/>
-          </a:bodyPr>
-          <a:lstStyle/>
-          <a:p>
-            <a:r>
-              <a:rPr lang="it-IT" sz="8000" dirty="0"/>
-              <a:t>+</a:t>
-            </a:r>
-          </a:p>
-        </p:txBody>
-      </p:sp>
     </p:spTree>
     <p:extLst>
       <p:ext uri="{BB962C8B-B14F-4D97-AF65-F5344CB8AC3E}">
-        <p14:creationId xmlns:p14="http://schemas.microsoft.com/office/powerpoint/2010/main" val="1996566008"/>
+        <p14:creationId xmlns:p14="http://schemas.microsoft.com/office/powerpoint/2010/main" val="3672134445"/>
       </p:ext>
     </p:extLst>
   </p:cSld>
@@ -4165,46 +5543,14 @@
       </p:grpSpPr>
       <p:sp>
         <p:nvSpPr>
-          <p:cNvPr id="3" name="Segnaposto contenuto 2"/>
-          <p:cNvSpPr>
-            <a:spLocks noGrp="1"/>
-          </p:cNvSpPr>
-          <p:nvPr>
-            <p:ph idx="1"/>
-          </p:nvPr>
-        </p:nvSpPr>
-        <p:spPr>
-          <a:xfrm>
-            <a:off x="6625355" y="3069448"/>
-            <a:ext cx="5135880" cy="939519"/>
-          </a:xfrm>
-        </p:spPr>
-        <p:txBody>
-          <a:bodyPr>
-            <a:normAutofit/>
-          </a:bodyPr>
-          <a:lstStyle/>
-          <a:p>
-            <a:pPr marL="0" indent="0" algn="ctr">
-              <a:buNone/>
-            </a:pPr>
-            <a:r>
-              <a:rPr lang="it-IT" dirty="0"/>
-              <a:t>Pianificazione della stesura dei documenti</a:t>
-            </a:r>
-          </a:p>
-        </p:txBody>
-      </p:sp>
-      <p:sp>
-        <p:nvSpPr>
-          <p:cNvPr id="4" name="Rettangolo 3"/>
+          <p:cNvPr id="5" name="Rettangolo 4"/>
           <p:cNvSpPr/>
           <p:nvPr/>
         </p:nvSpPr>
         <p:spPr>
           <a:xfrm>
-            <a:off x="0" y="0"/>
-            <a:ext cx="6064301" cy="6858000"/>
+            <a:off x="0" y="-1"/>
+            <a:ext cx="12192000" cy="3444127"/>
           </a:xfrm>
           <a:prstGeom prst="rect">
             <a:avLst/>
@@ -4240,133 +5586,82 @@
           </a:p>
         </p:txBody>
       </p:sp>
-      <p:pic>
-        <p:nvPicPr>
-          <p:cNvPr id="6" name="Immagine 5"/>
-          <p:cNvPicPr>
-            <a:picLocks noChangeAspect="1"/>
-          </p:cNvPicPr>
-          <p:nvPr/>
-        </p:nvPicPr>
-        <p:blipFill>
-          <a:blip r:embed="rId2">
-            <a:extLst>
-              <a:ext uri="{28A0092B-C50C-407E-A947-70E740481C1C}">
-                <a14:useLocalDpi xmlns:a14="http://schemas.microsoft.com/office/drawing/2010/main" val="0"/>
-              </a:ext>
-            </a:extLst>
-          </a:blip>
-          <a:stretch>
-            <a:fillRect/>
-          </a:stretch>
-        </p:blipFill>
-        <p:spPr>
-          <a:xfrm>
-            <a:off x="363544" y="1556309"/>
-            <a:ext cx="5502307" cy="3745382"/>
-          </a:xfrm>
-          <a:prstGeom prst="rect">
-            <a:avLst/>
-          </a:prstGeom>
-        </p:spPr>
-      </p:pic>
-      <p:sp>
-        <p:nvSpPr>
-          <p:cNvPr id="7" name="Rettangolo con angoli arrotondati 6"/>
-          <p:cNvSpPr/>
-          <p:nvPr/>
-        </p:nvSpPr>
-        <p:spPr>
-          <a:xfrm>
-            <a:off x="1302106" y="1379398"/>
-            <a:ext cx="1367942" cy="1192377"/>
-          </a:xfrm>
-          <a:prstGeom prst="roundRect">
-            <a:avLst/>
-          </a:prstGeom>
-          <a:noFill/>
-          <a:ln w="38100">
-            <a:solidFill>
-              <a:srgbClr val="FF0000"/>
-            </a:solidFill>
-          </a:ln>
-        </p:spPr>
-        <p:style>
-          <a:lnRef idx="2">
-            <a:schemeClr val="accent1">
-              <a:shade val="50000"/>
-            </a:schemeClr>
-          </a:lnRef>
-          <a:fillRef idx="1">
-            <a:schemeClr val="accent1"/>
-          </a:fillRef>
-          <a:effectRef idx="0">
-            <a:schemeClr val="accent1"/>
-          </a:effectRef>
-          <a:fontRef idx="minor">
-            <a:schemeClr val="lt1"/>
-          </a:fontRef>
-        </p:style>
-        <p:txBody>
-          <a:bodyPr rtlCol="0" anchor="ctr"/>
-          <a:lstStyle/>
-          <a:p>
-            <a:pPr algn="ctr"/>
-            <a:endParaRPr lang="it-IT"/>
-          </a:p>
-        </p:txBody>
-      </p:sp>
-      <p:sp>
-        <p:nvSpPr>
-          <p:cNvPr id="9" name="CasellaDiTesto 8"/>
+      <p:sp>
+        <p:nvSpPr>
+          <p:cNvPr id="2" name="Titolo 1"/>
+          <p:cNvSpPr>
+            <a:spLocks noGrp="1"/>
+          </p:cNvSpPr>
+          <p:nvPr>
+            <p:ph type="ctrTitle"/>
+          </p:nvPr>
+        </p:nvSpPr>
+        <p:spPr>
+          <a:xfrm>
+            <a:off x="2765145" y="2443278"/>
+            <a:ext cx="6661709" cy="1000849"/>
+          </a:xfrm>
+        </p:spPr>
+        <p:txBody>
+          <a:bodyPr>
+            <a:normAutofit/>
+          </a:bodyPr>
+          <a:lstStyle/>
+          <a:p>
+            <a:r>
+              <a:rPr lang="it-IT" dirty="0" err="1">
+                <a:solidFill>
+                  <a:schemeClr val="bg1"/>
+                </a:solidFill>
+                <a:latin typeface="Helvetica LT Std" panose="020B0504020202020204" pitchFamily="34" charset="0"/>
+              </a:rPr>
+              <a:t>SWEDesigner</a:t>
+            </a:r>
+            <a:endParaRPr lang="it-IT" dirty="0">
+              <a:solidFill>
+                <a:schemeClr val="bg1"/>
+              </a:solidFill>
+              <a:latin typeface="Helvetica LT Std" panose="020B0504020202020204" pitchFamily="34" charset="0"/>
+            </a:endParaRPr>
+          </a:p>
+        </p:txBody>
+      </p:sp>
+      <p:sp>
+        <p:nvSpPr>
+          <p:cNvPr id="3" name="Sottotitolo 2"/>
+          <p:cNvSpPr>
+            <a:spLocks noGrp="1"/>
+          </p:cNvSpPr>
+          <p:nvPr>
+            <p:ph type="subTitle" idx="1"/>
+          </p:nvPr>
+        </p:nvSpPr>
+        <p:spPr/>
+        <p:txBody>
+          <a:bodyPr>
+            <a:normAutofit/>
+          </a:bodyPr>
+          <a:lstStyle/>
+          <a:p>
+            <a:r>
+              <a:rPr lang="it-IT" sz="2800" dirty="0">
+                <a:latin typeface="Helvetica LT Std" panose="020B0504020202020204" pitchFamily="34" charset="0"/>
+              </a:rPr>
+              <a:t>Software per diagrammi UML</a:t>
+            </a:r>
+          </a:p>
+        </p:txBody>
+      </p:sp>
+      <p:sp>
+        <p:nvSpPr>
+          <p:cNvPr id="7" name="CasellaDiTesto 6"/>
           <p:cNvSpPr txBox="1"/>
           <p:nvPr/>
         </p:nvSpPr>
         <p:spPr>
           <a:xfrm>
-            <a:off x="8562353" y="2238451"/>
-            <a:ext cx="1261884" cy="830997"/>
-          </a:xfrm>
-          <a:prstGeom prst="rect">
-            <a:avLst/>
-          </a:prstGeom>
-          <a:noFill/>
-        </p:spPr>
-        <p:txBody>
-          <a:bodyPr wrap="none" rtlCol="0">
-            <a:spAutoFit/>
-          </a:bodyPr>
-          <a:lstStyle/>
-          <a:p>
-            <a:r>
-              <a:rPr lang="it-IT" sz="4800" b="1" dirty="0">
-                <a:solidFill>
-                  <a:srgbClr val="00B0F0"/>
-                </a:solidFill>
-              </a:rPr>
-              <a:t>P</a:t>
-            </a:r>
-            <a:r>
-              <a:rPr lang="it-IT" sz="4800" dirty="0">
-                <a:solidFill>
-                  <a:srgbClr val="00B0F0"/>
-                </a:solidFill>
-              </a:rPr>
-              <a:t>lan</a:t>
-            </a:r>
-          </a:p>
-        </p:txBody>
-      </p:sp>
-      <p:sp>
-        <p:nvSpPr>
-          <p:cNvPr id="11" name="CasellaDiTesto 10"/>
-          <p:cNvSpPr txBox="1"/>
-          <p:nvPr/>
-        </p:nvSpPr>
-        <p:spPr>
-          <a:xfrm>
-            <a:off x="9433778" y="6367898"/>
-            <a:ext cx="2646079" cy="369332"/>
+            <a:off x="11179834" y="6367898"/>
+            <a:ext cx="900023" cy="369332"/>
           </a:xfrm>
           <a:prstGeom prst="rect">
             <a:avLst/>
@@ -4382,7 +5677,7 @@
             <a:pPr algn="r"/>
             <a:r>
               <a:rPr lang="it-IT" dirty="0"/>
-              <a:t>Piano di Qualifica - ?? / ??</a:t>
+              <a:t>?? / ??</a:t>
             </a:r>
           </a:p>
         </p:txBody>
@@ -4390,7 +5685,7 @@
     </p:spTree>
     <p:extLst>
       <p:ext uri="{BB962C8B-B14F-4D97-AF65-F5344CB8AC3E}">
-        <p14:creationId xmlns:p14="http://schemas.microsoft.com/office/powerpoint/2010/main" val="2076426961"/>
+        <p14:creationId xmlns:p14="http://schemas.microsoft.com/office/powerpoint/2010/main" val="1641656009"/>
       </p:ext>
     </p:extLst>
   </p:cSld>
@@ -4425,8 +5720,8 @@
         </p:nvSpPr>
         <p:spPr>
           <a:xfrm>
-            <a:off x="0" y="-7951"/>
-            <a:ext cx="6064301" cy="6858636"/>
+            <a:off x="0" y="4141"/>
+            <a:ext cx="12192000" cy="1377600"/>
           </a:xfrm>
           <a:prstGeom prst="rect">
             <a:avLst/>
@@ -4458,13 +5753,88 @@
           <a:lstStyle/>
           <a:p>
             <a:pPr algn="ctr"/>
-            <a:endParaRPr lang="it-IT" dirty="0"/>
+            <a:r>
+              <a:rPr lang="it-IT" sz="4400" dirty="0" err="1">
+                <a:latin typeface="Helvetica LT Std" panose="020B0504020202020204" pitchFamily="34" charset="0"/>
+              </a:rPr>
+              <a:t>SWEDesigner</a:t>
+            </a:r>
+            <a:endParaRPr lang="it-IT" sz="4400" dirty="0">
+              <a:latin typeface="Helvetica LT Std" panose="020B0504020202020204" pitchFamily="34" charset="0"/>
+            </a:endParaRPr>
+          </a:p>
+        </p:txBody>
+      </p:sp>
+      <p:sp>
+        <p:nvSpPr>
+          <p:cNvPr id="5" name="CasellaDiTesto 4"/>
+          <p:cNvSpPr txBox="1"/>
+          <p:nvPr/>
+        </p:nvSpPr>
+        <p:spPr>
+          <a:xfrm>
+            <a:off x="9433778" y="6367898"/>
+            <a:ext cx="2646079" cy="369332"/>
+          </a:xfrm>
+          <a:prstGeom prst="rect">
+            <a:avLst/>
+          </a:prstGeom>
+          <a:noFill/>
+        </p:spPr>
+        <p:txBody>
+          <a:bodyPr wrap="square" rtlCol="0">
+            <a:spAutoFit/>
+          </a:bodyPr>
+          <a:lstStyle/>
+          <a:p>
+            <a:pPr algn="r"/>
+            <a:r>
+              <a:rPr lang="it-IT" dirty="0"/>
+              <a:t>Piano di Qualifica - ?? / ??</a:t>
+            </a:r>
+          </a:p>
+        </p:txBody>
+      </p:sp>
+      <p:sp>
+        <p:nvSpPr>
+          <p:cNvPr id="25" name="Segnaposto contenuto 2"/>
+          <p:cNvSpPr>
+            <a:spLocks noGrp="1"/>
+          </p:cNvSpPr>
+          <p:nvPr>
+            <p:ph idx="1"/>
+          </p:nvPr>
+        </p:nvSpPr>
+        <p:spPr>
+          <a:xfrm>
+            <a:off x="838200" y="1825625"/>
+            <a:ext cx="10515600" cy="4351338"/>
+          </a:xfrm>
+        </p:spPr>
+        <p:txBody>
+          <a:bodyPr/>
+          <a:lstStyle/>
+          <a:p>
+            <a:r>
+              <a:rPr lang="it-IT" dirty="0">
+                <a:latin typeface="Helvetica LT Std" panose="020B0504020202020204" pitchFamily="34" charset="0"/>
+              </a:rPr>
+              <a:t>Proponente: Zucchetti S.p.A.</a:t>
+            </a:r>
+          </a:p>
+          <a:p>
+            <a:r>
+              <a:rPr lang="it-IT" dirty="0">
+                <a:latin typeface="Helvetica LT Std" panose="020B0504020202020204" pitchFamily="34" charset="0"/>
+              </a:rPr>
+              <a:t>Editor di diagrammi UML che generi automaticamente il relativo codice</a:t>
+            </a:r>
           </a:p>
         </p:txBody>
       </p:sp>
       <p:pic>
         <p:nvPicPr>
-          <p:cNvPr id="7" name="Immagine 6"/>
+          <p:cNvPr id="26" name="Immagine 25"/>
           <p:cNvPicPr>
             <a:picLocks noChangeAspect="1"/>
           </p:cNvPicPr>
@@ -4478,8 +5848,8 @@
         </p:blipFill>
         <p:spPr>
           <a:xfrm>
-            <a:off x="360035" y="1553999"/>
-            <a:ext cx="5505165" cy="3749365"/>
+            <a:off x="722231" y="3429000"/>
+            <a:ext cx="3952163" cy="1846614"/>
           </a:xfrm>
           <a:prstGeom prst="rect">
             <a:avLst/>
@@ -4488,24 +5858,18 @@
       </p:pic>
       <p:sp>
         <p:nvSpPr>
-          <p:cNvPr id="8" name="Rettangolo con angoli arrotondati 7"/>
+          <p:cNvPr id="27" name="Freccia a destra 26"/>
           <p:cNvSpPr/>
           <p:nvPr/>
         </p:nvSpPr>
         <p:spPr>
           <a:xfrm>
-            <a:off x="4103825" y="1360628"/>
-            <a:ext cx="1258215" cy="1141171"/>
-          </a:xfrm>
-          <a:prstGeom prst="roundRect">
-            <a:avLst/>
-          </a:prstGeom>
-          <a:noFill/>
-          <a:ln w="38100">
-            <a:solidFill>
-              <a:srgbClr val="FF0000"/>
-            </a:solidFill>
-          </a:ln>
+            <a:off x="5400675" y="4257675"/>
+            <a:ext cx="1407319" cy="521494"/>
+          </a:xfrm>
+          <a:prstGeom prst="rightArrow">
+            <a:avLst/>
+          </a:prstGeom>
         </p:spPr>
         <p:style>
           <a:lnRef idx="2">
@@ -4532,113 +5896,34 @@
           </a:p>
         </p:txBody>
       </p:sp>
-      <p:sp>
-        <p:nvSpPr>
-          <p:cNvPr id="13" name="Segnaposto contenuto 2"/>
-          <p:cNvSpPr>
-            <a:spLocks noGrp="1"/>
-          </p:cNvSpPr>
-          <p:nvPr>
-            <p:ph idx="1"/>
-          </p:nvPr>
-        </p:nvSpPr>
-        <p:spPr>
-          <a:xfrm>
-            <a:off x="6625355" y="3069448"/>
-            <a:ext cx="5135880" cy="939519"/>
-          </a:xfrm>
-        </p:spPr>
-        <p:txBody>
-          <a:bodyPr>
-            <a:normAutofit/>
-          </a:bodyPr>
-          <a:lstStyle/>
-          <a:p>
-            <a:pPr marL="0" indent="0" algn="ctr">
-              <a:buNone/>
-            </a:pPr>
-            <a:r>
-              <a:rPr lang="it-IT" dirty="0"/>
-              <a:t>Stesura effettiva dei documenti</a:t>
-            </a:r>
-          </a:p>
-        </p:txBody>
-      </p:sp>
-      <p:sp>
-        <p:nvSpPr>
-          <p:cNvPr id="14" name="CasellaDiTesto 13"/>
-          <p:cNvSpPr txBox="1"/>
+      <p:pic>
+        <p:nvPicPr>
+          <p:cNvPr id="28" name="Immagine 27"/>
+          <p:cNvPicPr>
+            <a:picLocks noChangeAspect="1"/>
+          </p:cNvPicPr>
           <p:nvPr/>
-        </p:nvSpPr>
-        <p:spPr>
-          <a:xfrm>
-            <a:off x="8744293" y="2238451"/>
-            <a:ext cx="898003" cy="830997"/>
+        </p:nvPicPr>
+        <p:blipFill>
+          <a:blip r:embed="rId3"/>
+          <a:stretch>
+            <a:fillRect/>
+          </a:stretch>
+        </p:blipFill>
+        <p:spPr>
+          <a:xfrm>
+            <a:off x="7534275" y="3438497"/>
+            <a:ext cx="3819525" cy="2159850"/>
           </a:xfrm>
           <a:prstGeom prst="rect">
             <a:avLst/>
           </a:prstGeom>
-          <a:noFill/>
-        </p:spPr>
-        <p:txBody>
-          <a:bodyPr wrap="none" rtlCol="0">
-            <a:spAutoFit/>
-          </a:bodyPr>
-          <a:lstStyle/>
-          <a:p>
-            <a:r>
-              <a:rPr lang="it-IT" sz="4800" b="1" dirty="0">
-                <a:solidFill>
-                  <a:srgbClr val="7030A0"/>
-                </a:solidFill>
-              </a:rPr>
-              <a:t>D</a:t>
-            </a:r>
-            <a:r>
-              <a:rPr lang="it-IT" sz="4800" dirty="0">
-                <a:solidFill>
-                  <a:srgbClr val="7030A0"/>
-                </a:solidFill>
-              </a:rPr>
-              <a:t>o</a:t>
-            </a:r>
-          </a:p>
-        </p:txBody>
-      </p:sp>
-      <p:sp>
-        <p:nvSpPr>
-          <p:cNvPr id="10" name="CasellaDiTesto 9"/>
-          <p:cNvSpPr txBox="1"/>
-          <p:nvPr/>
-        </p:nvSpPr>
-        <p:spPr>
-          <a:xfrm>
-            <a:off x="9433778" y="6367898"/>
-            <a:ext cx="2646079" cy="369332"/>
-          </a:xfrm>
-          <a:prstGeom prst="rect">
-            <a:avLst/>
-          </a:prstGeom>
-          <a:noFill/>
-        </p:spPr>
-        <p:txBody>
-          <a:bodyPr wrap="square" rtlCol="0">
-            <a:spAutoFit/>
-          </a:bodyPr>
-          <a:lstStyle/>
-          <a:p>
-            <a:pPr algn="r"/>
-            <a:r>
-              <a:rPr lang="it-IT" dirty="0"/>
-              <a:t>Piano di Qualifica - ?? / ??</a:t>
-            </a:r>
-          </a:p>
-        </p:txBody>
-      </p:sp>
+        </p:spPr>
+      </p:pic>
     </p:spTree>
     <p:extLst>
       <p:ext uri="{BB962C8B-B14F-4D97-AF65-F5344CB8AC3E}">
-        <p14:creationId xmlns:p14="http://schemas.microsoft.com/office/powerpoint/2010/main" val="2276799285"/>
+        <p14:creationId xmlns:p14="http://schemas.microsoft.com/office/powerpoint/2010/main" val="1996566008"/>
       </p:ext>
     </p:extLst>
   </p:cSld>
@@ -4673,8 +5958,8 @@
         </p:nvSpPr>
         <p:spPr>
           <a:xfrm>
-            <a:off x="0" y="0"/>
-            <a:ext cx="6064301" cy="6858000"/>
+            <a:off x="0" y="4141"/>
+            <a:ext cx="12192000" cy="1377600"/>
           </a:xfrm>
           <a:prstGeom prst="rect">
             <a:avLst/>
@@ -4706,89 +5991,51 @@
           <a:lstStyle/>
           <a:p>
             <a:pPr algn="ctr"/>
-            <a:endParaRPr lang="it-IT"/>
-          </a:p>
-        </p:txBody>
-      </p:sp>
-      <p:pic>
-        <p:nvPicPr>
-          <p:cNvPr id="5" name="Immagine 4"/>
-          <p:cNvPicPr>
-            <a:picLocks noChangeAspect="1"/>
-          </p:cNvPicPr>
+            <a:r>
+              <a:rPr lang="it-IT" sz="4400" dirty="0" err="1">
+                <a:latin typeface="Helvetica LT Std" panose="020B0504020202020204" pitchFamily="34" charset="0"/>
+              </a:rPr>
+              <a:t>SWEDesigner</a:t>
+            </a:r>
+            <a:endParaRPr lang="it-IT" sz="4400" dirty="0">
+              <a:latin typeface="Helvetica LT Std" panose="020B0504020202020204" pitchFamily="34" charset="0"/>
+            </a:endParaRPr>
+          </a:p>
+        </p:txBody>
+      </p:sp>
+      <p:sp>
+        <p:nvSpPr>
+          <p:cNvPr id="5" name="CasellaDiTesto 4"/>
+          <p:cNvSpPr txBox="1"/>
           <p:nvPr/>
-        </p:nvPicPr>
-        <p:blipFill>
-          <a:blip r:embed="rId2">
-            <a:extLst>
-              <a:ext uri="{28A0092B-C50C-407E-A947-70E740481C1C}">
-                <a14:useLocalDpi xmlns:a14="http://schemas.microsoft.com/office/drawing/2010/main" val="0"/>
-              </a:ext>
-            </a:extLst>
-          </a:blip>
-          <a:stretch>
-            <a:fillRect/>
-          </a:stretch>
-        </p:blipFill>
-        <p:spPr>
-          <a:xfrm>
-            <a:off x="363544" y="1556309"/>
-            <a:ext cx="5502307" cy="3745382"/>
+        </p:nvSpPr>
+        <p:spPr>
+          <a:xfrm>
+            <a:off x="9433778" y="6367898"/>
+            <a:ext cx="2646079" cy="369332"/>
           </a:xfrm>
           <a:prstGeom prst="rect">
             <a:avLst/>
           </a:prstGeom>
-        </p:spPr>
-      </p:pic>
-      <p:sp>
-        <p:nvSpPr>
-          <p:cNvPr id="6" name="Rettangolo con angoli arrotondati 5"/>
-          <p:cNvSpPr/>
-          <p:nvPr/>
-        </p:nvSpPr>
-        <p:spPr>
-          <a:xfrm>
-            <a:off x="3350362" y="3288666"/>
-            <a:ext cx="1367942" cy="1192377"/>
-          </a:xfrm>
-          <a:prstGeom prst="roundRect">
-            <a:avLst/>
-          </a:prstGeom>
           <a:noFill/>
-          <a:ln w="38100">
-            <a:solidFill>
-              <a:srgbClr val="FF0000"/>
-            </a:solidFill>
-          </a:ln>
-        </p:spPr>
-        <p:style>
-          <a:lnRef idx="2">
-            <a:schemeClr val="accent1">
-              <a:shade val="50000"/>
-            </a:schemeClr>
-          </a:lnRef>
-          <a:fillRef idx="1">
-            <a:schemeClr val="accent1"/>
-          </a:fillRef>
-          <a:effectRef idx="0">
-            <a:schemeClr val="accent1"/>
-          </a:effectRef>
-          <a:fontRef idx="minor">
-            <a:schemeClr val="lt1"/>
-          </a:fontRef>
-        </p:style>
-        <p:txBody>
-          <a:bodyPr rtlCol="0" anchor="ctr"/>
-          <a:lstStyle/>
-          <a:p>
-            <a:pPr algn="ctr"/>
-            <a:endParaRPr lang="it-IT"/>
-          </a:p>
-        </p:txBody>
-      </p:sp>
-      <p:sp>
-        <p:nvSpPr>
-          <p:cNvPr id="11" name="Segnaposto contenuto 2"/>
+        </p:spPr>
+        <p:txBody>
+          <a:bodyPr wrap="square" rtlCol="0">
+            <a:spAutoFit/>
+          </a:bodyPr>
+          <a:lstStyle/>
+          <a:p>
+            <a:pPr algn="r"/>
+            <a:r>
+              <a:rPr lang="it-IT" dirty="0"/>
+              <a:t>Piano di Qualifica - ?? / ??</a:t>
+            </a:r>
+          </a:p>
+        </p:txBody>
+      </p:sp>
+      <p:sp>
+        <p:nvSpPr>
+          <p:cNvPr id="6" name="Segnaposto contenuto 2"/>
           <p:cNvSpPr>
             <a:spLocks noGrp="1"/>
           </p:cNvSpPr>
@@ -4798,8 +6045,8 @@
         </p:nvSpPr>
         <p:spPr>
           <a:xfrm>
-            <a:off x="6625355" y="3069448"/>
-            <a:ext cx="5135880" cy="939519"/>
+            <a:off x="838200" y="1825625"/>
+            <a:ext cx="10515600" cy="4482306"/>
           </a:xfrm>
         </p:spPr>
         <p:txBody>
@@ -4808,83 +6055,27 @@
           </a:bodyPr>
           <a:lstStyle/>
           <a:p>
-            <a:pPr marL="0" indent="0" algn="ctr">
-              <a:buNone/>
-            </a:pPr>
-            <a:r>
-              <a:rPr lang="it-IT" dirty="0"/>
-              <a:t>Verifica dei documenti prodotti</a:t>
-            </a:r>
-          </a:p>
-        </p:txBody>
-      </p:sp>
-      <p:sp>
-        <p:nvSpPr>
-          <p:cNvPr id="12" name="CasellaDiTesto 11"/>
-          <p:cNvSpPr txBox="1"/>
-          <p:nvPr/>
-        </p:nvSpPr>
-        <p:spPr>
-          <a:xfrm>
-            <a:off x="8341940" y="2238451"/>
-            <a:ext cx="1702710" cy="830997"/>
-          </a:xfrm>
-          <a:prstGeom prst="rect">
-            <a:avLst/>
-          </a:prstGeom>
-          <a:noFill/>
-        </p:spPr>
-        <p:txBody>
-          <a:bodyPr wrap="none" rtlCol="0">
-            <a:spAutoFit/>
-          </a:bodyPr>
-          <a:lstStyle/>
-          <a:p>
-            <a:r>
-              <a:rPr lang="it-IT" sz="4800" b="1" dirty="0">
-                <a:solidFill>
-                  <a:srgbClr val="993300"/>
-                </a:solidFill>
+            <a:r>
+              <a:rPr lang="it-IT" dirty="0">
+                <a:latin typeface="Helvetica LT Std" panose="020B0504020202020204" pitchFamily="34" charset="0"/>
               </a:rPr>
-              <a:t>C</a:t>
-            </a:r>
-            <a:r>
-              <a:rPr lang="it-IT" sz="4800" dirty="0">
-                <a:solidFill>
-                  <a:srgbClr val="993300"/>
-                </a:solidFill>
+              <a:t>Relazione debole tra diagrammi stesi in fase di progettazione e codice prodotto in fase di realizzazione</a:t>
+            </a:r>
+          </a:p>
+          <a:p>
+            <a:r>
+              <a:rPr lang="it-IT" dirty="0">
+                <a:latin typeface="Helvetica LT Std" panose="020B0504020202020204" pitchFamily="34" charset="0"/>
               </a:rPr>
-              <a:t>heck</a:t>
-            </a:r>
-          </a:p>
-        </p:txBody>
-      </p:sp>
-      <p:sp>
-        <p:nvSpPr>
-          <p:cNvPr id="8" name="CasellaDiTesto 7"/>
-          <p:cNvSpPr txBox="1"/>
-          <p:nvPr/>
-        </p:nvSpPr>
-        <p:spPr>
-          <a:xfrm>
-            <a:off x="9433778" y="6367898"/>
-            <a:ext cx="2646079" cy="369332"/>
-          </a:xfrm>
-          <a:prstGeom prst="rect">
-            <a:avLst/>
-          </a:prstGeom>
-          <a:noFill/>
-        </p:spPr>
-        <p:txBody>
-          <a:bodyPr wrap="square" rtlCol="0">
-            <a:spAutoFit/>
-          </a:bodyPr>
-          <a:lstStyle/>
-          <a:p>
-            <a:pPr algn="r"/>
-            <a:r>
-              <a:rPr lang="it-IT" dirty="0"/>
-              <a:t>Piano di Qualifica - ?? / ??</a:t>
+              <a:t>Obiettivo: generare automaticamente il codice dal diagramma UML garantirebbe un accoppiamento forte tra diagrammi e sorgente</a:t>
+            </a:r>
+          </a:p>
+          <a:p>
+            <a:r>
+              <a:rPr lang="it-IT" dirty="0">
+                <a:latin typeface="Helvetica LT Std" panose="020B0504020202020204" pitchFamily="34" charset="0"/>
+              </a:rPr>
+              <a:t>Problema: la traduzione diretta da UML a codice non è sempre possibile</a:t>
             </a:r>
           </a:p>
         </p:txBody>
@@ -4892,7 +6083,7 @@
     </p:spTree>
     <p:extLst>
       <p:ext uri="{BB962C8B-B14F-4D97-AF65-F5344CB8AC3E}">
-        <p14:creationId xmlns:p14="http://schemas.microsoft.com/office/powerpoint/2010/main" val="2020944564"/>
+        <p14:creationId xmlns:p14="http://schemas.microsoft.com/office/powerpoint/2010/main" val="1095768392"/>
       </p:ext>
     </p:extLst>
   </p:cSld>
@@ -4921,14 +6112,14 @@
       </p:grpSpPr>
       <p:sp>
         <p:nvSpPr>
-          <p:cNvPr id="6" name="Rettangolo 5"/>
+          <p:cNvPr id="4" name="Rettangolo 3"/>
           <p:cNvSpPr/>
           <p:nvPr/>
         </p:nvSpPr>
         <p:spPr>
           <a:xfrm>
-            <a:off x="0" y="0"/>
-            <a:ext cx="6064301" cy="6858000"/>
+            <a:off x="0" y="4141"/>
+            <a:ext cx="12192000" cy="1377600"/>
           </a:xfrm>
           <a:prstGeom prst="rect">
             <a:avLst/>
@@ -4960,162 +6151,31 @@
           <a:lstStyle/>
           <a:p>
             <a:pPr algn="ctr"/>
-            <a:endParaRPr lang="it-IT"/>
-          </a:p>
-        </p:txBody>
-      </p:sp>
-      <p:pic>
-        <p:nvPicPr>
-          <p:cNvPr id="7" name="Immagine 6"/>
-          <p:cNvPicPr>
-            <a:picLocks noChangeAspect="1"/>
-          </p:cNvPicPr>
-          <p:nvPr/>
-        </p:nvPicPr>
-        <p:blipFill>
-          <a:blip r:embed="rId2">
-            <a:extLst>
-              <a:ext uri="{28A0092B-C50C-407E-A947-70E740481C1C}">
-                <a14:useLocalDpi xmlns:a14="http://schemas.microsoft.com/office/drawing/2010/main" val="0"/>
-              </a:ext>
-            </a:extLst>
-          </a:blip>
-          <a:stretch>
-            <a:fillRect/>
-          </a:stretch>
-        </p:blipFill>
-        <p:spPr>
-          <a:xfrm>
-            <a:off x="363544" y="1556309"/>
-            <a:ext cx="5502307" cy="3745382"/>
-          </a:xfrm>
-          <a:prstGeom prst="rect">
-            <a:avLst/>
-          </a:prstGeom>
-        </p:spPr>
-      </p:pic>
-      <p:sp>
-        <p:nvSpPr>
-          <p:cNvPr id="8" name="Rettangolo con angoli arrotondati 7"/>
-          <p:cNvSpPr/>
-          <p:nvPr/>
-        </p:nvSpPr>
-        <p:spPr>
-          <a:xfrm>
-            <a:off x="555791" y="3329762"/>
-            <a:ext cx="1367942" cy="1192377"/>
-          </a:xfrm>
-          <a:prstGeom prst="roundRect">
-            <a:avLst/>
-          </a:prstGeom>
-          <a:noFill/>
-          <a:ln w="38100">
-            <a:solidFill>
-              <a:srgbClr val="FF0000"/>
-            </a:solidFill>
-          </a:ln>
-        </p:spPr>
-        <p:style>
-          <a:lnRef idx="2">
-            <a:schemeClr val="accent1">
-              <a:shade val="50000"/>
-            </a:schemeClr>
-          </a:lnRef>
-          <a:fillRef idx="1">
-            <a:schemeClr val="accent1"/>
-          </a:fillRef>
-          <a:effectRef idx="0">
-            <a:schemeClr val="accent1"/>
-          </a:effectRef>
-          <a:fontRef idx="minor">
-            <a:schemeClr val="lt1"/>
-          </a:fontRef>
-        </p:style>
-        <p:txBody>
-          <a:bodyPr rtlCol="0" anchor="ctr"/>
-          <a:lstStyle/>
-          <a:p>
-            <a:pPr algn="ctr"/>
-            <a:endParaRPr lang="it-IT"/>
-          </a:p>
-        </p:txBody>
-      </p:sp>
-      <p:sp>
-        <p:nvSpPr>
-          <p:cNvPr id="9" name="Segnaposto contenuto 2"/>
-          <p:cNvSpPr>
-            <a:spLocks noGrp="1"/>
-          </p:cNvSpPr>
-          <p:nvPr>
-            <p:ph idx="1"/>
-          </p:nvPr>
-        </p:nvSpPr>
-        <p:spPr>
-          <a:xfrm>
-            <a:off x="6625355" y="3069448"/>
-            <a:ext cx="5135880" cy="939519"/>
-          </a:xfrm>
-        </p:spPr>
-        <p:txBody>
-          <a:bodyPr>
-            <a:normAutofit/>
-          </a:bodyPr>
-          <a:lstStyle/>
-          <a:p>
-            <a:pPr marL="0" indent="0" algn="ctr">
-              <a:buNone/>
-            </a:pPr>
-            <a:r>
-              <a:rPr lang="it-IT" dirty="0"/>
-              <a:t>Analisi del risultato di verifica</a:t>
-            </a:r>
-          </a:p>
-        </p:txBody>
-      </p:sp>
-      <p:sp>
-        <p:nvSpPr>
-          <p:cNvPr id="10" name="CasellaDiTesto 9"/>
-          <p:cNvSpPr txBox="1"/>
-          <p:nvPr/>
-        </p:nvSpPr>
-        <p:spPr>
-          <a:xfrm>
-            <a:off x="8680975" y="2238451"/>
-            <a:ext cx="1024639" cy="830997"/>
-          </a:xfrm>
-          <a:prstGeom prst="rect">
-            <a:avLst/>
-          </a:prstGeom>
-          <a:noFill/>
-        </p:spPr>
-        <p:txBody>
-          <a:bodyPr wrap="none" rtlCol="0">
-            <a:spAutoFit/>
-          </a:bodyPr>
-          <a:lstStyle/>
-          <a:p>
-            <a:r>
-              <a:rPr lang="it-IT" sz="4800" b="1" dirty="0">
-                <a:solidFill>
-                  <a:schemeClr val="accent6"/>
-                </a:solidFill>
-              </a:rPr>
-              <a:t>A</a:t>
-            </a:r>
-            <a:r>
-              <a:rPr lang="it-IT" sz="4800" dirty="0">
-                <a:solidFill>
-                  <a:schemeClr val="accent6"/>
-                </a:solidFill>
-              </a:rPr>
-              <a:t>ct</a:t>
-            </a:r>
-          </a:p>
-        </p:txBody>
-      </p:sp>
-      <p:sp>
-        <p:nvSpPr>
-          <p:cNvPr id="12" name="CasellaDiTesto 11"/>
+            <a:r>
+              <a:rPr lang="it-IT" sz="4400" dirty="0"/>
+              <a:t>Il </a:t>
+            </a:r>
+            <a:r>
+              <a:rPr lang="it-IT" sz="4400" dirty="0" err="1"/>
+              <a:t>Bubble</a:t>
+            </a:r>
+            <a:r>
+              <a:rPr lang="it-IT" sz="4400" dirty="0"/>
+              <a:t> </a:t>
+            </a:r>
+            <a:r>
+              <a:rPr lang="it-IT" sz="4400" dirty="0" err="1"/>
+              <a:t>Flowchart</a:t>
+            </a:r>
+            <a:endParaRPr lang="it-IT" sz="4400" dirty="0">
+              <a:latin typeface="Helvetica LT Std" panose="020B0504020202020204" pitchFamily="34" charset="0"/>
+            </a:endParaRPr>
+          </a:p>
+        </p:txBody>
+      </p:sp>
+      <p:sp>
+        <p:nvSpPr>
+          <p:cNvPr id="5" name="CasellaDiTesto 4"/>
           <p:cNvSpPr txBox="1"/>
           <p:nvPr/>
         </p:nvSpPr>
@@ -5143,10 +6203,55 @@
           </a:p>
         </p:txBody>
       </p:sp>
+      <p:sp>
+        <p:nvSpPr>
+          <p:cNvPr id="6" name="Segnaposto contenuto 2"/>
+          <p:cNvSpPr>
+            <a:spLocks noGrp="1"/>
+          </p:cNvSpPr>
+          <p:nvPr>
+            <p:ph idx="1"/>
+          </p:nvPr>
+        </p:nvSpPr>
+        <p:spPr>
+          <a:xfrm>
+            <a:off x="838200" y="1832769"/>
+            <a:ext cx="10515600" cy="4351338"/>
+          </a:xfrm>
+        </p:spPr>
+        <p:txBody>
+          <a:bodyPr/>
+          <a:lstStyle/>
+          <a:p>
+            <a:r>
+              <a:rPr lang="it-IT" dirty="0">
+                <a:latin typeface="Helvetica LT Std" panose="020B0504020202020204" pitchFamily="34" charset="0"/>
+              </a:rPr>
+              <a:t>«Bolle» di codice già predisposto all’uso</a:t>
+            </a:r>
+          </a:p>
+          <a:p>
+            <a:r>
+              <a:rPr lang="it-IT" dirty="0">
+                <a:latin typeface="Helvetica LT Std" panose="020B0504020202020204" pitchFamily="34" charset="0"/>
+              </a:rPr>
+              <a:t>Operazioni atomiche dipendenti dal dominio</a:t>
+            </a:r>
+          </a:p>
+          <a:p>
+            <a:r>
+              <a:rPr lang="it-IT" dirty="0">
+                <a:latin typeface="Helvetica LT Std" panose="020B0504020202020204" pitchFamily="34" charset="0"/>
+              </a:rPr>
+              <a:t>Soluzione estensibile: nuovi domini applicativi = nuove bolle</a:t>
+            </a:r>
+          </a:p>
+        </p:txBody>
+      </p:sp>
     </p:spTree>
     <p:extLst>
       <p:ext uri="{BB962C8B-B14F-4D97-AF65-F5344CB8AC3E}">
-        <p14:creationId xmlns:p14="http://schemas.microsoft.com/office/powerpoint/2010/main" val="1171311652"/>
+        <p14:creationId xmlns:p14="http://schemas.microsoft.com/office/powerpoint/2010/main" val="2264477329"/>
       </p:ext>
     </p:extLst>
   </p:cSld>
@@ -5175,7 +6280,7 @@
       </p:grpSpPr>
       <p:sp>
         <p:nvSpPr>
-          <p:cNvPr id="22" name="Rettangolo 21"/>
+          <p:cNvPr id="4" name="Rettangolo 3"/>
           <p:cNvSpPr/>
           <p:nvPr/>
         </p:nvSpPr>
@@ -5216,23 +6321,23 @@
             <a:pPr algn="ctr"/>
             <a:r>
               <a:rPr lang="it-IT" sz="4400" dirty="0">
-                <a:latin typeface="+mj-lt"/>
+                <a:latin typeface="Helvetica LT Std" panose="020B0504020202020204" pitchFamily="34" charset="0"/>
               </a:rPr>
-              <a:t>Qualità di prodotto</a:t>
-            </a:r>
-          </a:p>
-        </p:txBody>
-      </p:sp>
-      <p:sp>
-        <p:nvSpPr>
-          <p:cNvPr id="6" name="CasellaDiTesto 5"/>
+              <a:t>Tecnologie impiegate</a:t>
+            </a:r>
+          </a:p>
+        </p:txBody>
+      </p:sp>
+      <p:sp>
+        <p:nvSpPr>
+          <p:cNvPr id="5" name="CasellaDiTesto 4"/>
           <p:cNvSpPr txBox="1"/>
           <p:nvPr/>
         </p:nvSpPr>
         <p:spPr>
           <a:xfrm>
-            <a:off x="3669043" y="1700662"/>
-            <a:ext cx="4853907" cy="369332"/>
+            <a:off x="9433778" y="6367898"/>
+            <a:ext cx="2646079" cy="369332"/>
           </a:xfrm>
           <a:prstGeom prst="rect">
             <a:avLst/>
@@ -5245,36 +6350,6 @@
           </a:bodyPr>
           <a:lstStyle/>
           <a:p>
-            <a:pPr algn="ctr"/>
-            <a:r>
-              <a:rPr lang="it-IT" dirty="0"/>
-              <a:t>Presa come riferimento la normativa ISO/IEC 9126</a:t>
-            </a:r>
-          </a:p>
-        </p:txBody>
-      </p:sp>
-      <p:sp>
-        <p:nvSpPr>
-          <p:cNvPr id="24" name="CasellaDiTesto 23"/>
-          <p:cNvSpPr txBox="1"/>
-          <p:nvPr/>
-        </p:nvSpPr>
-        <p:spPr>
-          <a:xfrm>
-            <a:off x="9433778" y="6367898"/>
-            <a:ext cx="2646079" cy="369332"/>
-          </a:xfrm>
-          <a:prstGeom prst="rect">
-            <a:avLst/>
-          </a:prstGeom>
-          <a:noFill/>
-        </p:spPr>
-        <p:txBody>
-          <a:bodyPr wrap="square" rtlCol="0">
-            <a:spAutoFit/>
-          </a:bodyPr>
-          <a:lstStyle/>
-          <a:p>
             <a:pPr algn="r"/>
             <a:r>
               <a:rPr lang="it-IT" dirty="0"/>
@@ -5283,40 +6358,10 @@
           </a:p>
         </p:txBody>
       </p:sp>
-      <p:pic>
-        <p:nvPicPr>
-          <p:cNvPr id="4" name="Immagine 3"/>
-          <p:cNvPicPr>
-            <a:picLocks noChangeAspect="1"/>
-          </p:cNvPicPr>
-          <p:nvPr/>
-        </p:nvPicPr>
-        <p:blipFill>
-          <a:blip r:embed="rId2">
-            <a:extLst>
-              <a:ext uri="{28A0092B-C50C-407E-A947-70E740481C1C}">
-                <a14:useLocalDpi xmlns:a14="http://schemas.microsoft.com/office/drawing/2010/main" val="0"/>
-              </a:ext>
-            </a:extLst>
-          </a:blip>
-          <a:stretch>
-            <a:fillRect/>
-          </a:stretch>
-        </p:blipFill>
-        <p:spPr>
-          <a:xfrm>
-            <a:off x="1502508" y="2170630"/>
-            <a:ext cx="9186976" cy="4101608"/>
-          </a:xfrm>
-          <a:prstGeom prst="rect">
-            <a:avLst/>
-          </a:prstGeom>
-        </p:spPr>
-      </p:pic>
     </p:spTree>
     <p:extLst>
       <p:ext uri="{BB962C8B-B14F-4D97-AF65-F5344CB8AC3E}">
-        <p14:creationId xmlns:p14="http://schemas.microsoft.com/office/powerpoint/2010/main" val="798969204"/>
+        <p14:creationId xmlns:p14="http://schemas.microsoft.com/office/powerpoint/2010/main" val="630147507"/>
       </p:ext>
     </p:extLst>
   </p:cSld>
@@ -5345,7 +6390,7 @@
       </p:grpSpPr>
       <p:sp>
         <p:nvSpPr>
-          <p:cNvPr id="8" name="Rettangolo 7"/>
+          <p:cNvPr id="4" name="Rettangolo 3"/>
           <p:cNvSpPr/>
           <p:nvPr/>
         </p:nvSpPr>
@@ -5385,84 +6430,20 @@
           <a:p>
             <a:pPr algn="ctr"/>
             <a:r>
-              <a:rPr lang="it-IT" sz="4400" dirty="0">
-                <a:latin typeface="+mj-lt"/>
+              <a:rPr lang="it-IT" sz="4400" dirty="0" err="1">
+                <a:latin typeface="Helvetica LT Std" panose="020B0504020202020204" pitchFamily="34" charset="0"/>
               </a:rPr>
-              <a:t>Resoconto delle attività di verifica dei documenti</a:t>
-            </a:r>
-          </a:p>
-        </p:txBody>
-      </p:sp>
-      <p:sp>
-        <p:nvSpPr>
-          <p:cNvPr id="10" name="Segnaposto contenuto 2"/>
-          <p:cNvSpPr>
-            <a:spLocks noGrp="1"/>
-          </p:cNvSpPr>
-          <p:nvPr>
-            <p:ph idx="1"/>
-          </p:nvPr>
-        </p:nvSpPr>
-        <p:spPr>
-          <a:xfrm>
-            <a:off x="3951796" y="1845156"/>
-            <a:ext cx="4288406" cy="632282"/>
-          </a:xfrm>
-        </p:spPr>
-        <p:txBody>
-          <a:bodyPr>
-            <a:normAutofit fontScale="70000" lnSpcReduction="20000"/>
-          </a:bodyPr>
-          <a:lstStyle/>
-          <a:p>
-            <a:pPr marL="0" indent="0" algn="ctr">
-              <a:buNone/>
-            </a:pPr>
-            <a:r>
-              <a:rPr lang="it-IT" sz="3600" dirty="0"/>
-              <a:t>Indice di leggibilità - </a:t>
-            </a:r>
-            <a:r>
-              <a:rPr lang="it-IT" sz="3600" dirty="0" err="1"/>
-              <a:t>Gulpease</a:t>
-            </a:r>
-            <a:endParaRPr lang="it-IT" dirty="0"/>
-          </a:p>
-        </p:txBody>
-      </p:sp>
-      <p:pic>
-        <p:nvPicPr>
-          <p:cNvPr id="3" name="Immagine 2"/>
-          <p:cNvPicPr>
-            <a:picLocks noChangeAspect="1"/>
-          </p:cNvPicPr>
-          <p:nvPr/>
-        </p:nvPicPr>
-        <p:blipFill>
-          <a:blip r:embed="rId2">
-            <a:extLst>
-              <a:ext uri="{28A0092B-C50C-407E-A947-70E740481C1C}">
-                <a14:useLocalDpi xmlns:a14="http://schemas.microsoft.com/office/drawing/2010/main" val="0"/>
-              </a:ext>
-            </a:extLst>
-          </a:blip>
-          <a:stretch>
-            <a:fillRect/>
-          </a:stretch>
-        </p:blipFill>
-        <p:spPr>
-          <a:xfrm>
-            <a:off x="2645108" y="2503457"/>
-            <a:ext cx="6901783" cy="3661633"/>
-          </a:xfrm>
-          <a:prstGeom prst="rect">
-            <a:avLst/>
-          </a:prstGeom>
-        </p:spPr>
-      </p:pic>
-      <p:sp>
-        <p:nvSpPr>
-          <p:cNvPr id="11" name="CasellaDiTesto 10"/>
+              <a:t>SWEDesigner</a:t>
+            </a:r>
+            <a:endParaRPr lang="it-IT" sz="4400" dirty="0">
+              <a:latin typeface="Helvetica LT Std" panose="020B0504020202020204" pitchFamily="34" charset="0"/>
+            </a:endParaRPr>
+          </a:p>
+        </p:txBody>
+      </p:sp>
+      <p:sp>
+        <p:nvSpPr>
+          <p:cNvPr id="5" name="CasellaDiTesto 4"/>
           <p:cNvSpPr txBox="1"/>
           <p:nvPr/>
         </p:nvSpPr>
@@ -5493,7 +6474,175 @@
     </p:spTree>
     <p:extLst>
       <p:ext uri="{BB962C8B-B14F-4D97-AF65-F5344CB8AC3E}">
-        <p14:creationId xmlns:p14="http://schemas.microsoft.com/office/powerpoint/2010/main" val="704610456"/>
+        <p14:creationId xmlns:p14="http://schemas.microsoft.com/office/powerpoint/2010/main" val="187072423"/>
+      </p:ext>
+    </p:extLst>
+  </p:cSld>
+  <p:clrMapOvr>
+    <a:masterClrMapping/>
+  </p:clrMapOvr>
+</p:sld>
+</file>
+
+<file path=ppt/slides/slide9.xml><?xml version="1.0" encoding="utf-8"?>
+<p:sld xmlns:a="http://schemas.openxmlformats.org/drawingml/2006/main" xmlns:r="http://schemas.openxmlformats.org/officeDocument/2006/relationships" xmlns:p="http://schemas.openxmlformats.org/presentationml/2006/main">
+  <p:cSld>
+    <p:spTree>
+      <p:nvGrpSpPr>
+        <p:cNvPr id="1" name=""/>
+        <p:cNvGrpSpPr/>
+        <p:nvPr/>
+      </p:nvGrpSpPr>
+      <p:grpSpPr>
+        <a:xfrm>
+          <a:off x="0" y="0"/>
+          <a:ext cx="0" cy="0"/>
+          <a:chOff x="0" y="0"/>
+          <a:chExt cx="0" cy="0"/>
+        </a:xfrm>
+      </p:grpSpPr>
+      <p:sp>
+        <p:nvSpPr>
+          <p:cNvPr id="5" name="Rettangolo 4"/>
+          <p:cNvSpPr/>
+          <p:nvPr/>
+        </p:nvSpPr>
+        <p:spPr>
+          <a:xfrm>
+            <a:off x="0" y="-1"/>
+            <a:ext cx="12192000" cy="3444127"/>
+          </a:xfrm>
+          <a:prstGeom prst="rect">
+            <a:avLst/>
+          </a:prstGeom>
+          <a:solidFill>
+            <a:schemeClr val="accent1">
+              <a:lumMod val="75000"/>
+            </a:schemeClr>
+          </a:solidFill>
+        </p:spPr>
+        <p:style>
+          <a:lnRef idx="2">
+            <a:schemeClr val="accent1">
+              <a:shade val="50000"/>
+            </a:schemeClr>
+          </a:lnRef>
+          <a:fillRef idx="1">
+            <a:schemeClr val="accent1"/>
+          </a:fillRef>
+          <a:effectRef idx="0">
+            <a:schemeClr val="accent1"/>
+          </a:effectRef>
+          <a:fontRef idx="minor">
+            <a:schemeClr val="lt1"/>
+          </a:fontRef>
+        </p:style>
+        <p:txBody>
+          <a:bodyPr rtlCol="0" anchor="ctr"/>
+          <a:lstStyle/>
+          <a:p>
+            <a:pPr algn="ctr"/>
+            <a:endParaRPr lang="it-IT"/>
+          </a:p>
+        </p:txBody>
+      </p:sp>
+      <p:sp>
+        <p:nvSpPr>
+          <p:cNvPr id="2" name="Titolo 1"/>
+          <p:cNvSpPr>
+            <a:spLocks noGrp="1"/>
+          </p:cNvSpPr>
+          <p:nvPr>
+            <p:ph type="ctrTitle"/>
+          </p:nvPr>
+        </p:nvSpPr>
+        <p:spPr>
+          <a:xfrm>
+            <a:off x="2765145" y="2443278"/>
+            <a:ext cx="6661709" cy="1000849"/>
+          </a:xfrm>
+        </p:spPr>
+        <p:txBody>
+          <a:bodyPr>
+            <a:normAutofit/>
+          </a:bodyPr>
+          <a:lstStyle/>
+          <a:p>
+            <a:r>
+              <a:rPr lang="it-IT" b="1" dirty="0">
+                <a:solidFill>
+                  <a:schemeClr val="bg1"/>
+                </a:solidFill>
+              </a:rPr>
+              <a:t>Piano di Qualifica</a:t>
+            </a:r>
+          </a:p>
+        </p:txBody>
+      </p:sp>
+      <p:sp>
+        <p:nvSpPr>
+          <p:cNvPr id="3" name="Sottotitolo 2"/>
+          <p:cNvSpPr>
+            <a:spLocks noGrp="1"/>
+          </p:cNvSpPr>
+          <p:nvPr>
+            <p:ph type="subTitle" idx="1"/>
+          </p:nvPr>
+        </p:nvSpPr>
+        <p:spPr/>
+        <p:txBody>
+          <a:bodyPr>
+            <a:normAutofit/>
+          </a:bodyPr>
+          <a:lstStyle/>
+          <a:p>
+            <a:r>
+              <a:rPr lang="it-IT" sz="2800" dirty="0"/>
+              <a:t>Qualità di processo e di prodotto</a:t>
+            </a:r>
+          </a:p>
+          <a:p>
+            <a:r>
+              <a:rPr lang="it-IT" sz="2800" dirty="0"/>
+              <a:t>Resoconto delle attività di verifica</a:t>
+            </a:r>
+          </a:p>
+        </p:txBody>
+      </p:sp>
+      <p:sp>
+        <p:nvSpPr>
+          <p:cNvPr id="7" name="CasellaDiTesto 6"/>
+          <p:cNvSpPr txBox="1"/>
+          <p:nvPr/>
+        </p:nvSpPr>
+        <p:spPr>
+          <a:xfrm>
+            <a:off x="11179834" y="6367898"/>
+            <a:ext cx="900023" cy="369332"/>
+          </a:xfrm>
+          <a:prstGeom prst="rect">
+            <a:avLst/>
+          </a:prstGeom>
+          <a:noFill/>
+        </p:spPr>
+        <p:txBody>
+          <a:bodyPr wrap="square" rtlCol="0">
+            <a:spAutoFit/>
+          </a:bodyPr>
+          <a:lstStyle/>
+          <a:p>
+            <a:pPr algn="r"/>
+            <a:r>
+              <a:rPr lang="it-IT" dirty="0"/>
+              <a:t>?? / ??</a:t>
+            </a:r>
+          </a:p>
+        </p:txBody>
+      </p:sp>
+    </p:spTree>
+    <p:extLst>
+      <p:ext uri="{BB962C8B-B14F-4D97-AF65-F5344CB8AC3E}">
+        <p14:creationId xmlns:p14="http://schemas.microsoft.com/office/powerpoint/2010/main" val="283243736"/>
       </p:ext>
     </p:extLst>
   </p:cSld>
